--- a/day3/doctrine.pptx
+++ b/day3/doctrine.pptx
@@ -11,7 +11,7 @@
     <p:sldId id="258" r:id="rId6"/>
   </p:sldIdLst>
   <p:sldSz cx="9144000" cy="5143500"/>
-  <p:notesSz cx="6858000" cy="9144000"/>
+  <p:notesSz cx="7559675" cy="10691812"/>
 </p:presentation>
 </file>
 
@@ -56,7 +56,7 @@
       </p:grpSpPr>
       <p:sp>
         <p:nvSpPr>
-          <p:cNvPr id="24" name="PlaceHolder 1"/>
+          <p:cNvPr id="23" name="PlaceHolder 1"/>
           <p:cNvSpPr>
             <a:spLocks noGrp="1"/>
           </p:cNvSpPr>
@@ -66,8 +66,8 @@
         </p:nvSpPr>
         <p:spPr>
           <a:xfrm>
-            <a:off x="311760" y="444960"/>
-            <a:ext cx="8520120" cy="572400"/>
+            <a:off x="311760" y="301680"/>
+            <a:ext cx="8519760" cy="858960"/>
           </a:xfrm>
           <a:prstGeom prst="rect">
             <a:avLst/>
@@ -78,18 +78,16 @@
             <a:spAutoFit/>
           </a:bodyPr>
           <a:p>
-            <a:endParaRPr b="0" lang="pt-BR" sz="1400" spc="-1" strike="noStrike">
-              <a:solidFill>
-                <a:srgbClr val="000000"/>
-              </a:solidFill>
-              <a:latin typeface="Arial"/>
-            </a:endParaRPr>
-          </a:p>
-        </p:txBody>
-      </p:sp>
-      <p:sp>
-        <p:nvSpPr>
-          <p:cNvPr id="25" name="PlaceHolder 2"/>
+            <a:pPr algn="ctr"/>
+            <a:endParaRPr b="0" lang="pt-BR" sz="4400" spc="-1" strike="noStrike">
+              <a:latin typeface="Arial"/>
+            </a:endParaRPr>
+          </a:p>
+        </p:txBody>
+      </p:sp>
+      <p:sp>
+        <p:nvSpPr>
+          <p:cNvPr id="24" name="PlaceHolder 2"/>
           <p:cNvSpPr>
             <a:spLocks noGrp="1"/>
           </p:cNvSpPr>
@@ -100,54 +98,48 @@
         <p:spPr>
           <a:xfrm>
             <a:off x="311760" y="1152360"/>
-            <a:ext cx="8520120" cy="1629360"/>
-          </a:xfrm>
-          <a:prstGeom prst="rect">
-            <a:avLst/>
-          </a:prstGeom>
-        </p:spPr>
-        <p:txBody>
-          <a:bodyPr lIns="0" rIns="0" tIns="0" bIns="0">
-            <a:normAutofit/>
-          </a:bodyPr>
-          <a:p>
-            <a:endParaRPr b="0" lang="pt-BR" sz="1400" spc="-1" strike="noStrike">
-              <a:solidFill>
-                <a:srgbClr val="000000"/>
-              </a:solidFill>
-              <a:latin typeface="Arial"/>
-            </a:endParaRPr>
-          </a:p>
-        </p:txBody>
-      </p:sp>
-      <p:sp>
-        <p:nvSpPr>
-          <p:cNvPr id="26" name="PlaceHolder 3"/>
-          <p:cNvSpPr>
-            <a:spLocks noGrp="1"/>
-          </p:cNvSpPr>
-          <p:nvPr>
-            <p:ph type="body"/>
-          </p:nvPr>
-        </p:nvSpPr>
-        <p:spPr>
-          <a:xfrm>
-            <a:off x="311760" y="2936880"/>
-            <a:ext cx="8520120" cy="1629360"/>
-          </a:xfrm>
-          <a:prstGeom prst="rect">
-            <a:avLst/>
-          </a:prstGeom>
-        </p:spPr>
-        <p:txBody>
-          <a:bodyPr lIns="0" rIns="0" tIns="0" bIns="0">
-            <a:normAutofit/>
-          </a:bodyPr>
-          <a:p>
-            <a:endParaRPr b="0" lang="pt-BR" sz="1400" spc="-1" strike="noStrike">
-              <a:solidFill>
-                <a:srgbClr val="000000"/>
-              </a:solidFill>
+            <a:ext cx="8519760" cy="1629000"/>
+          </a:xfrm>
+          <a:prstGeom prst="rect">
+            <a:avLst/>
+          </a:prstGeom>
+        </p:spPr>
+        <p:txBody>
+          <a:bodyPr lIns="0" rIns="0" tIns="0" bIns="0">
+            <a:normAutofit/>
+          </a:bodyPr>
+          <a:p>
+            <a:endParaRPr b="0" lang="pt-BR" sz="3200" spc="-1" strike="noStrike">
+              <a:latin typeface="Arial"/>
+            </a:endParaRPr>
+          </a:p>
+        </p:txBody>
+      </p:sp>
+      <p:sp>
+        <p:nvSpPr>
+          <p:cNvPr id="25" name="PlaceHolder 3"/>
+          <p:cNvSpPr>
+            <a:spLocks noGrp="1"/>
+          </p:cNvSpPr>
+          <p:nvPr>
+            <p:ph type="body"/>
+          </p:nvPr>
+        </p:nvSpPr>
+        <p:spPr>
+          <a:xfrm>
+            <a:off x="311760" y="2936520"/>
+            <a:ext cx="8519760" cy="1629000"/>
+          </a:xfrm>
+          <a:prstGeom prst="rect">
+            <a:avLst/>
+          </a:prstGeom>
+        </p:spPr>
+        <p:txBody>
+          <a:bodyPr lIns="0" rIns="0" tIns="0" bIns="0">
+            <a:normAutofit/>
+          </a:bodyPr>
+          <a:p>
+            <a:endParaRPr b="0" lang="pt-BR" sz="3200" spc="-1" strike="noStrike">
               <a:latin typeface="Arial"/>
             </a:endParaRPr>
           </a:p>
@@ -177,7 +169,7 @@
       </p:grpSpPr>
       <p:sp>
         <p:nvSpPr>
-          <p:cNvPr id="27" name="PlaceHolder 1"/>
+          <p:cNvPr id="26" name="PlaceHolder 1"/>
           <p:cNvSpPr>
             <a:spLocks noGrp="1"/>
           </p:cNvSpPr>
@@ -187,8 +179,8 @@
         </p:nvSpPr>
         <p:spPr>
           <a:xfrm>
-            <a:off x="311760" y="444960"/>
-            <a:ext cx="8520120" cy="572400"/>
+            <a:off x="311760" y="301680"/>
+            <a:ext cx="8519760" cy="858960"/>
           </a:xfrm>
           <a:prstGeom prst="rect">
             <a:avLst/>
@@ -199,18 +191,16 @@
             <a:spAutoFit/>
           </a:bodyPr>
           <a:p>
-            <a:endParaRPr b="0" lang="pt-BR" sz="1400" spc="-1" strike="noStrike">
-              <a:solidFill>
-                <a:srgbClr val="000000"/>
-              </a:solidFill>
-              <a:latin typeface="Arial"/>
-            </a:endParaRPr>
-          </a:p>
-        </p:txBody>
-      </p:sp>
-      <p:sp>
-        <p:nvSpPr>
-          <p:cNvPr id="28" name="PlaceHolder 2"/>
+            <a:pPr algn="ctr"/>
+            <a:endParaRPr b="0" lang="pt-BR" sz="4400" spc="-1" strike="noStrike">
+              <a:latin typeface="Arial"/>
+            </a:endParaRPr>
+          </a:p>
+        </p:txBody>
+      </p:sp>
+      <p:sp>
+        <p:nvSpPr>
+          <p:cNvPr id="27" name="PlaceHolder 2"/>
           <p:cNvSpPr>
             <a:spLocks noGrp="1"/>
           </p:cNvSpPr>
@@ -221,120 +211,108 @@
         <p:spPr>
           <a:xfrm>
             <a:off x="311760" y="1152360"/>
-            <a:ext cx="4157640" cy="1629360"/>
-          </a:xfrm>
-          <a:prstGeom prst="rect">
-            <a:avLst/>
-          </a:prstGeom>
-        </p:spPr>
-        <p:txBody>
-          <a:bodyPr lIns="0" rIns="0" tIns="0" bIns="0">
-            <a:normAutofit/>
-          </a:bodyPr>
-          <a:p>
-            <a:endParaRPr b="0" lang="pt-BR" sz="1400" spc="-1" strike="noStrike">
-              <a:solidFill>
-                <a:srgbClr val="000000"/>
-              </a:solidFill>
-              <a:latin typeface="Arial"/>
-            </a:endParaRPr>
-          </a:p>
-        </p:txBody>
-      </p:sp>
-      <p:sp>
-        <p:nvSpPr>
-          <p:cNvPr id="29" name="PlaceHolder 3"/>
-          <p:cNvSpPr>
-            <a:spLocks noGrp="1"/>
-          </p:cNvSpPr>
-          <p:nvPr>
-            <p:ph type="body"/>
-          </p:nvPr>
-        </p:nvSpPr>
-        <p:spPr>
-          <a:xfrm>
-            <a:off x="4677840" y="1152360"/>
-            <a:ext cx="4157640" cy="1629360"/>
-          </a:xfrm>
-          <a:prstGeom prst="rect">
-            <a:avLst/>
-          </a:prstGeom>
-        </p:spPr>
-        <p:txBody>
-          <a:bodyPr lIns="0" rIns="0" tIns="0" bIns="0">
-            <a:normAutofit/>
-          </a:bodyPr>
-          <a:p>
-            <a:endParaRPr b="0" lang="pt-BR" sz="1400" spc="-1" strike="noStrike">
-              <a:solidFill>
-                <a:srgbClr val="000000"/>
-              </a:solidFill>
-              <a:latin typeface="Arial"/>
-            </a:endParaRPr>
-          </a:p>
-        </p:txBody>
-      </p:sp>
-      <p:sp>
-        <p:nvSpPr>
-          <p:cNvPr id="30" name="PlaceHolder 4"/>
-          <p:cNvSpPr>
-            <a:spLocks noGrp="1"/>
-          </p:cNvSpPr>
-          <p:nvPr>
-            <p:ph type="body"/>
-          </p:nvPr>
-        </p:nvSpPr>
-        <p:spPr>
-          <a:xfrm>
-            <a:off x="311760" y="2936880"/>
-            <a:ext cx="4157640" cy="1629360"/>
-          </a:xfrm>
-          <a:prstGeom prst="rect">
-            <a:avLst/>
-          </a:prstGeom>
-        </p:spPr>
-        <p:txBody>
-          <a:bodyPr lIns="0" rIns="0" tIns="0" bIns="0">
-            <a:normAutofit/>
-          </a:bodyPr>
-          <a:p>
-            <a:endParaRPr b="0" lang="pt-BR" sz="1400" spc="-1" strike="noStrike">
-              <a:solidFill>
-                <a:srgbClr val="000000"/>
-              </a:solidFill>
-              <a:latin typeface="Arial"/>
-            </a:endParaRPr>
-          </a:p>
-        </p:txBody>
-      </p:sp>
-      <p:sp>
-        <p:nvSpPr>
-          <p:cNvPr id="31" name="PlaceHolder 5"/>
-          <p:cNvSpPr>
-            <a:spLocks noGrp="1"/>
-          </p:cNvSpPr>
-          <p:nvPr>
-            <p:ph type="body"/>
-          </p:nvPr>
-        </p:nvSpPr>
-        <p:spPr>
-          <a:xfrm>
-            <a:off x="4677840" y="2936880"/>
-            <a:ext cx="4157640" cy="1629360"/>
-          </a:xfrm>
-          <a:prstGeom prst="rect">
-            <a:avLst/>
-          </a:prstGeom>
-        </p:spPr>
-        <p:txBody>
-          <a:bodyPr lIns="0" rIns="0" tIns="0" bIns="0">
-            <a:normAutofit/>
-          </a:bodyPr>
-          <a:p>
-            <a:endParaRPr b="0" lang="pt-BR" sz="1400" spc="-1" strike="noStrike">
-              <a:solidFill>
-                <a:srgbClr val="000000"/>
-              </a:solidFill>
+            <a:ext cx="4157280" cy="1629000"/>
+          </a:xfrm>
+          <a:prstGeom prst="rect">
+            <a:avLst/>
+          </a:prstGeom>
+        </p:spPr>
+        <p:txBody>
+          <a:bodyPr lIns="0" rIns="0" tIns="0" bIns="0">
+            <a:normAutofit/>
+          </a:bodyPr>
+          <a:p>
+            <a:endParaRPr b="0" lang="pt-BR" sz="3200" spc="-1" strike="noStrike">
+              <a:latin typeface="Arial"/>
+            </a:endParaRPr>
+          </a:p>
+        </p:txBody>
+      </p:sp>
+      <p:sp>
+        <p:nvSpPr>
+          <p:cNvPr id="28" name="PlaceHolder 3"/>
+          <p:cNvSpPr>
+            <a:spLocks noGrp="1"/>
+          </p:cNvSpPr>
+          <p:nvPr>
+            <p:ph type="body"/>
+          </p:nvPr>
+        </p:nvSpPr>
+        <p:spPr>
+          <a:xfrm>
+            <a:off x="4677120" y="1152360"/>
+            <a:ext cx="4157280" cy="1629000"/>
+          </a:xfrm>
+          <a:prstGeom prst="rect">
+            <a:avLst/>
+          </a:prstGeom>
+        </p:spPr>
+        <p:txBody>
+          <a:bodyPr lIns="0" rIns="0" tIns="0" bIns="0">
+            <a:normAutofit/>
+          </a:bodyPr>
+          <a:p>
+            <a:endParaRPr b="0" lang="pt-BR" sz="3200" spc="-1" strike="noStrike">
+              <a:latin typeface="Arial"/>
+            </a:endParaRPr>
+          </a:p>
+        </p:txBody>
+      </p:sp>
+      <p:sp>
+        <p:nvSpPr>
+          <p:cNvPr id="29" name="PlaceHolder 4"/>
+          <p:cNvSpPr>
+            <a:spLocks noGrp="1"/>
+          </p:cNvSpPr>
+          <p:nvPr>
+            <p:ph type="body"/>
+          </p:nvPr>
+        </p:nvSpPr>
+        <p:spPr>
+          <a:xfrm>
+            <a:off x="311760" y="2936520"/>
+            <a:ext cx="4157280" cy="1629000"/>
+          </a:xfrm>
+          <a:prstGeom prst="rect">
+            <a:avLst/>
+          </a:prstGeom>
+        </p:spPr>
+        <p:txBody>
+          <a:bodyPr lIns="0" rIns="0" tIns="0" bIns="0">
+            <a:normAutofit/>
+          </a:bodyPr>
+          <a:p>
+            <a:endParaRPr b="0" lang="pt-BR" sz="3200" spc="-1" strike="noStrike">
+              <a:latin typeface="Arial"/>
+            </a:endParaRPr>
+          </a:p>
+        </p:txBody>
+      </p:sp>
+      <p:sp>
+        <p:nvSpPr>
+          <p:cNvPr id="30" name="PlaceHolder 5"/>
+          <p:cNvSpPr>
+            <a:spLocks noGrp="1"/>
+          </p:cNvSpPr>
+          <p:nvPr>
+            <p:ph type="body"/>
+          </p:nvPr>
+        </p:nvSpPr>
+        <p:spPr>
+          <a:xfrm>
+            <a:off x="4677120" y="2936520"/>
+            <a:ext cx="4157280" cy="1629000"/>
+          </a:xfrm>
+          <a:prstGeom prst="rect">
+            <a:avLst/>
+          </a:prstGeom>
+        </p:spPr>
+        <p:txBody>
+          <a:bodyPr lIns="0" rIns="0" tIns="0" bIns="0">
+            <a:normAutofit/>
+          </a:bodyPr>
+          <a:p>
+            <a:endParaRPr b="0" lang="pt-BR" sz="3200" spc="-1" strike="noStrike">
               <a:latin typeface="Arial"/>
             </a:endParaRPr>
           </a:p>
@@ -364,7 +342,7 @@
       </p:grpSpPr>
       <p:sp>
         <p:nvSpPr>
-          <p:cNvPr id="32" name="PlaceHolder 1"/>
+          <p:cNvPr id="31" name="PlaceHolder 1"/>
           <p:cNvSpPr>
             <a:spLocks noGrp="1"/>
           </p:cNvSpPr>
@@ -374,8 +352,8 @@
         </p:nvSpPr>
         <p:spPr>
           <a:xfrm>
-            <a:off x="311760" y="444960"/>
-            <a:ext cx="8520120" cy="572400"/>
+            <a:off x="311760" y="301680"/>
+            <a:ext cx="8519760" cy="858960"/>
           </a:xfrm>
           <a:prstGeom prst="rect">
             <a:avLst/>
@@ -386,18 +364,16 @@
             <a:spAutoFit/>
           </a:bodyPr>
           <a:p>
-            <a:endParaRPr b="0" lang="pt-BR" sz="1400" spc="-1" strike="noStrike">
-              <a:solidFill>
-                <a:srgbClr val="000000"/>
-              </a:solidFill>
-              <a:latin typeface="Arial"/>
-            </a:endParaRPr>
-          </a:p>
-        </p:txBody>
-      </p:sp>
-      <p:sp>
-        <p:nvSpPr>
-          <p:cNvPr id="33" name="PlaceHolder 2"/>
+            <a:pPr algn="ctr"/>
+            <a:endParaRPr b="0" lang="pt-BR" sz="4400" spc="-1" strike="noStrike">
+              <a:latin typeface="Arial"/>
+            </a:endParaRPr>
+          </a:p>
+        </p:txBody>
+      </p:sp>
+      <p:sp>
+        <p:nvSpPr>
+          <p:cNvPr id="32" name="PlaceHolder 2"/>
           <p:cNvSpPr>
             <a:spLocks noGrp="1"/>
           </p:cNvSpPr>
@@ -408,29 +384,26 @@
         <p:spPr>
           <a:xfrm>
             <a:off x="311760" y="1152360"/>
-            <a:ext cx="2743200" cy="1629360"/>
-          </a:xfrm>
-          <a:prstGeom prst="rect">
-            <a:avLst/>
-          </a:prstGeom>
-        </p:spPr>
-        <p:txBody>
-          <a:bodyPr lIns="0" rIns="0" tIns="0" bIns="0">
-            <a:normAutofit/>
-          </a:bodyPr>
-          <a:p>
-            <a:endParaRPr b="0" lang="pt-BR" sz="1400" spc="-1" strike="noStrike">
-              <a:solidFill>
-                <a:srgbClr val="000000"/>
-              </a:solidFill>
-              <a:latin typeface="Arial"/>
-            </a:endParaRPr>
-          </a:p>
-        </p:txBody>
-      </p:sp>
-      <p:sp>
-        <p:nvSpPr>
-          <p:cNvPr id="34" name="PlaceHolder 3"/>
+            <a:ext cx="2743200" cy="1629000"/>
+          </a:xfrm>
+          <a:prstGeom prst="rect">
+            <a:avLst/>
+          </a:prstGeom>
+        </p:spPr>
+        <p:txBody>
+          <a:bodyPr lIns="0" rIns="0" tIns="0" bIns="0">
+            <a:normAutofit/>
+          </a:bodyPr>
+          <a:p>
+            <a:endParaRPr b="0" lang="pt-BR" sz="3200" spc="-1" strike="noStrike">
+              <a:latin typeface="Arial"/>
+            </a:endParaRPr>
+          </a:p>
+        </p:txBody>
+      </p:sp>
+      <p:sp>
+        <p:nvSpPr>
+          <p:cNvPr id="33" name="PlaceHolder 3"/>
           <p:cNvSpPr>
             <a:spLocks noGrp="1"/>
           </p:cNvSpPr>
@@ -441,29 +414,26 @@
         <p:spPr>
           <a:xfrm>
             <a:off x="3192480" y="1152360"/>
-            <a:ext cx="2743200" cy="1629360"/>
-          </a:xfrm>
-          <a:prstGeom prst="rect">
-            <a:avLst/>
-          </a:prstGeom>
-        </p:spPr>
-        <p:txBody>
-          <a:bodyPr lIns="0" rIns="0" tIns="0" bIns="0">
-            <a:normAutofit/>
-          </a:bodyPr>
-          <a:p>
-            <a:endParaRPr b="0" lang="pt-BR" sz="1400" spc="-1" strike="noStrike">
-              <a:solidFill>
-                <a:srgbClr val="000000"/>
-              </a:solidFill>
-              <a:latin typeface="Arial"/>
-            </a:endParaRPr>
-          </a:p>
-        </p:txBody>
-      </p:sp>
-      <p:sp>
-        <p:nvSpPr>
-          <p:cNvPr id="35" name="PlaceHolder 4"/>
+            <a:ext cx="2743200" cy="1629000"/>
+          </a:xfrm>
+          <a:prstGeom prst="rect">
+            <a:avLst/>
+          </a:prstGeom>
+        </p:spPr>
+        <p:txBody>
+          <a:bodyPr lIns="0" rIns="0" tIns="0" bIns="0">
+            <a:normAutofit/>
+          </a:bodyPr>
+          <a:p>
+            <a:endParaRPr b="0" lang="pt-BR" sz="3200" spc="-1" strike="noStrike">
+              <a:latin typeface="Arial"/>
+            </a:endParaRPr>
+          </a:p>
+        </p:txBody>
+      </p:sp>
+      <p:sp>
+        <p:nvSpPr>
+          <p:cNvPr id="34" name="PlaceHolder 4"/>
           <p:cNvSpPr>
             <a:spLocks noGrp="1"/>
           </p:cNvSpPr>
@@ -474,120 +444,108 @@
         <p:spPr>
           <a:xfrm>
             <a:off x="6073200" y="1152360"/>
-            <a:ext cx="2743200" cy="1629360"/>
-          </a:xfrm>
-          <a:prstGeom prst="rect">
-            <a:avLst/>
-          </a:prstGeom>
-        </p:spPr>
-        <p:txBody>
-          <a:bodyPr lIns="0" rIns="0" tIns="0" bIns="0">
-            <a:normAutofit/>
-          </a:bodyPr>
-          <a:p>
-            <a:endParaRPr b="0" lang="pt-BR" sz="1400" spc="-1" strike="noStrike">
-              <a:solidFill>
-                <a:srgbClr val="000000"/>
-              </a:solidFill>
-              <a:latin typeface="Arial"/>
-            </a:endParaRPr>
-          </a:p>
-        </p:txBody>
-      </p:sp>
-      <p:sp>
-        <p:nvSpPr>
-          <p:cNvPr id="36" name="PlaceHolder 5"/>
-          <p:cNvSpPr>
-            <a:spLocks noGrp="1"/>
-          </p:cNvSpPr>
-          <p:nvPr>
-            <p:ph type="body"/>
-          </p:nvPr>
-        </p:nvSpPr>
-        <p:spPr>
-          <a:xfrm>
-            <a:off x="311760" y="2936880"/>
-            <a:ext cx="2743200" cy="1629360"/>
-          </a:xfrm>
-          <a:prstGeom prst="rect">
-            <a:avLst/>
-          </a:prstGeom>
-        </p:spPr>
-        <p:txBody>
-          <a:bodyPr lIns="0" rIns="0" tIns="0" bIns="0">
-            <a:normAutofit/>
-          </a:bodyPr>
-          <a:p>
-            <a:endParaRPr b="0" lang="pt-BR" sz="1400" spc="-1" strike="noStrike">
-              <a:solidFill>
-                <a:srgbClr val="000000"/>
-              </a:solidFill>
-              <a:latin typeface="Arial"/>
-            </a:endParaRPr>
-          </a:p>
-        </p:txBody>
-      </p:sp>
-      <p:sp>
-        <p:nvSpPr>
-          <p:cNvPr id="37" name="PlaceHolder 6"/>
-          <p:cNvSpPr>
-            <a:spLocks noGrp="1"/>
-          </p:cNvSpPr>
-          <p:nvPr>
-            <p:ph type="body"/>
-          </p:nvPr>
-        </p:nvSpPr>
-        <p:spPr>
-          <a:xfrm>
-            <a:off x="3192480" y="2936880"/>
-            <a:ext cx="2743200" cy="1629360"/>
-          </a:xfrm>
-          <a:prstGeom prst="rect">
-            <a:avLst/>
-          </a:prstGeom>
-        </p:spPr>
-        <p:txBody>
-          <a:bodyPr lIns="0" rIns="0" tIns="0" bIns="0">
-            <a:normAutofit/>
-          </a:bodyPr>
-          <a:p>
-            <a:endParaRPr b="0" lang="pt-BR" sz="1400" spc="-1" strike="noStrike">
-              <a:solidFill>
-                <a:srgbClr val="000000"/>
-              </a:solidFill>
-              <a:latin typeface="Arial"/>
-            </a:endParaRPr>
-          </a:p>
-        </p:txBody>
-      </p:sp>
-      <p:sp>
-        <p:nvSpPr>
-          <p:cNvPr id="38" name="PlaceHolder 7"/>
-          <p:cNvSpPr>
-            <a:spLocks noGrp="1"/>
-          </p:cNvSpPr>
-          <p:nvPr>
-            <p:ph type="body"/>
-          </p:nvPr>
-        </p:nvSpPr>
-        <p:spPr>
-          <a:xfrm>
-            <a:off x="6073200" y="2936880"/>
-            <a:ext cx="2743200" cy="1629360"/>
-          </a:xfrm>
-          <a:prstGeom prst="rect">
-            <a:avLst/>
-          </a:prstGeom>
-        </p:spPr>
-        <p:txBody>
-          <a:bodyPr lIns="0" rIns="0" tIns="0" bIns="0">
-            <a:normAutofit/>
-          </a:bodyPr>
-          <a:p>
-            <a:endParaRPr b="0" lang="pt-BR" sz="1400" spc="-1" strike="noStrike">
-              <a:solidFill>
-                <a:srgbClr val="000000"/>
-              </a:solidFill>
+            <a:ext cx="2743200" cy="1629000"/>
+          </a:xfrm>
+          <a:prstGeom prst="rect">
+            <a:avLst/>
+          </a:prstGeom>
+        </p:spPr>
+        <p:txBody>
+          <a:bodyPr lIns="0" rIns="0" tIns="0" bIns="0">
+            <a:normAutofit/>
+          </a:bodyPr>
+          <a:p>
+            <a:endParaRPr b="0" lang="pt-BR" sz="3200" spc="-1" strike="noStrike">
+              <a:latin typeface="Arial"/>
+            </a:endParaRPr>
+          </a:p>
+        </p:txBody>
+      </p:sp>
+      <p:sp>
+        <p:nvSpPr>
+          <p:cNvPr id="35" name="PlaceHolder 5"/>
+          <p:cNvSpPr>
+            <a:spLocks noGrp="1"/>
+          </p:cNvSpPr>
+          <p:nvPr>
+            <p:ph type="body"/>
+          </p:nvPr>
+        </p:nvSpPr>
+        <p:spPr>
+          <a:xfrm>
+            <a:off x="311760" y="2936520"/>
+            <a:ext cx="2743200" cy="1629000"/>
+          </a:xfrm>
+          <a:prstGeom prst="rect">
+            <a:avLst/>
+          </a:prstGeom>
+        </p:spPr>
+        <p:txBody>
+          <a:bodyPr lIns="0" rIns="0" tIns="0" bIns="0">
+            <a:normAutofit/>
+          </a:bodyPr>
+          <a:p>
+            <a:endParaRPr b="0" lang="pt-BR" sz="3200" spc="-1" strike="noStrike">
+              <a:latin typeface="Arial"/>
+            </a:endParaRPr>
+          </a:p>
+        </p:txBody>
+      </p:sp>
+      <p:sp>
+        <p:nvSpPr>
+          <p:cNvPr id="36" name="PlaceHolder 6"/>
+          <p:cNvSpPr>
+            <a:spLocks noGrp="1"/>
+          </p:cNvSpPr>
+          <p:nvPr>
+            <p:ph type="body"/>
+          </p:nvPr>
+        </p:nvSpPr>
+        <p:spPr>
+          <a:xfrm>
+            <a:off x="3192480" y="2936520"/>
+            <a:ext cx="2743200" cy="1629000"/>
+          </a:xfrm>
+          <a:prstGeom prst="rect">
+            <a:avLst/>
+          </a:prstGeom>
+        </p:spPr>
+        <p:txBody>
+          <a:bodyPr lIns="0" rIns="0" tIns="0" bIns="0">
+            <a:normAutofit/>
+          </a:bodyPr>
+          <a:p>
+            <a:endParaRPr b="0" lang="pt-BR" sz="3200" spc="-1" strike="noStrike">
+              <a:latin typeface="Arial"/>
+            </a:endParaRPr>
+          </a:p>
+        </p:txBody>
+      </p:sp>
+      <p:sp>
+        <p:nvSpPr>
+          <p:cNvPr id="37" name="PlaceHolder 7"/>
+          <p:cNvSpPr>
+            <a:spLocks noGrp="1"/>
+          </p:cNvSpPr>
+          <p:nvPr>
+            <p:ph type="body"/>
+          </p:nvPr>
+        </p:nvSpPr>
+        <p:spPr>
+          <a:xfrm>
+            <a:off x="6073200" y="2936520"/>
+            <a:ext cx="2743200" cy="1629000"/>
+          </a:xfrm>
+          <a:prstGeom prst="rect">
+            <a:avLst/>
+          </a:prstGeom>
+        </p:spPr>
+        <p:txBody>
+          <a:bodyPr lIns="0" rIns="0" tIns="0" bIns="0">
+            <a:normAutofit/>
+          </a:bodyPr>
+          <a:p>
+            <a:endParaRPr b="0" lang="pt-BR" sz="3200" spc="-1" strike="noStrike">
               <a:latin typeface="Arial"/>
             </a:endParaRPr>
           </a:p>
@@ -639,7 +597,7 @@
       </p:grpSpPr>
       <p:sp>
         <p:nvSpPr>
-          <p:cNvPr id="42" name="PlaceHolder 1"/>
+          <p:cNvPr id="40" name="PlaceHolder 1"/>
           <p:cNvSpPr>
             <a:spLocks noGrp="1"/>
           </p:cNvSpPr>
@@ -649,8 +607,8 @@
         </p:nvSpPr>
         <p:spPr>
           <a:xfrm>
-            <a:off x="311760" y="444960"/>
-            <a:ext cx="8520120" cy="572400"/>
+            <a:off x="311760" y="301680"/>
+            <a:ext cx="8519760" cy="858960"/>
           </a:xfrm>
           <a:prstGeom prst="rect">
             <a:avLst/>
@@ -661,18 +619,16 @@
             <a:spAutoFit/>
           </a:bodyPr>
           <a:p>
-            <a:endParaRPr b="0" lang="pt-BR" sz="1400" spc="-1" strike="noStrike">
-              <a:solidFill>
-                <a:srgbClr val="000000"/>
-              </a:solidFill>
-              <a:latin typeface="Arial"/>
-            </a:endParaRPr>
-          </a:p>
-        </p:txBody>
-      </p:sp>
-      <p:sp>
-        <p:nvSpPr>
-          <p:cNvPr id="43" name="PlaceHolder 2"/>
+            <a:pPr algn="ctr"/>
+            <a:endParaRPr b="0" lang="pt-BR" sz="4400" spc="-1" strike="noStrike">
+              <a:latin typeface="Arial"/>
+            </a:endParaRPr>
+          </a:p>
+        </p:txBody>
+      </p:sp>
+      <p:sp>
+        <p:nvSpPr>
+          <p:cNvPr id="41" name="PlaceHolder 2"/>
           <p:cNvSpPr>
             <a:spLocks noGrp="1"/>
           </p:cNvSpPr>
@@ -683,7 +639,7 @@
         <p:spPr>
           <a:xfrm>
             <a:off x="311760" y="1152360"/>
-            <a:ext cx="8520120" cy="3416040"/>
+            <a:ext cx="8519760" cy="3415680"/>
           </a:xfrm>
           <a:prstGeom prst="rect">
             <a:avLst/>
@@ -725,7 +681,7 @@
       </p:grpSpPr>
       <p:sp>
         <p:nvSpPr>
-          <p:cNvPr id="44" name="PlaceHolder 1"/>
+          <p:cNvPr id="42" name="PlaceHolder 1"/>
           <p:cNvSpPr>
             <a:spLocks noGrp="1"/>
           </p:cNvSpPr>
@@ -735,8 +691,8 @@
         </p:nvSpPr>
         <p:spPr>
           <a:xfrm>
-            <a:off x="311760" y="444960"/>
-            <a:ext cx="8520120" cy="572400"/>
+            <a:off x="311760" y="301680"/>
+            <a:ext cx="8519760" cy="858960"/>
           </a:xfrm>
           <a:prstGeom prst="rect">
             <a:avLst/>
@@ -747,18 +703,16 @@
             <a:spAutoFit/>
           </a:bodyPr>
           <a:p>
-            <a:endParaRPr b="0" lang="pt-BR" sz="1400" spc="-1" strike="noStrike">
-              <a:solidFill>
-                <a:srgbClr val="000000"/>
-              </a:solidFill>
-              <a:latin typeface="Arial"/>
-            </a:endParaRPr>
-          </a:p>
-        </p:txBody>
-      </p:sp>
-      <p:sp>
-        <p:nvSpPr>
-          <p:cNvPr id="45" name="PlaceHolder 2"/>
+            <a:pPr algn="ctr"/>
+            <a:endParaRPr b="0" lang="pt-BR" sz="4400" spc="-1" strike="noStrike">
+              <a:latin typeface="Arial"/>
+            </a:endParaRPr>
+          </a:p>
+        </p:txBody>
+      </p:sp>
+      <p:sp>
+        <p:nvSpPr>
+          <p:cNvPr id="43" name="PlaceHolder 2"/>
           <p:cNvSpPr>
             <a:spLocks noGrp="1"/>
           </p:cNvSpPr>
@@ -769,21 +723,18 @@
         <p:spPr>
           <a:xfrm>
             <a:off x="311760" y="1152360"/>
-            <a:ext cx="8520120" cy="3416040"/>
-          </a:xfrm>
-          <a:prstGeom prst="rect">
-            <a:avLst/>
-          </a:prstGeom>
-        </p:spPr>
-        <p:txBody>
-          <a:bodyPr lIns="0" rIns="0" tIns="0" bIns="0">
-            <a:normAutofit/>
-          </a:bodyPr>
-          <a:p>
-            <a:endParaRPr b="0" lang="pt-BR" sz="1400" spc="-1" strike="noStrike">
-              <a:solidFill>
-                <a:srgbClr val="000000"/>
-              </a:solidFill>
+            <a:ext cx="8519760" cy="3415680"/>
+          </a:xfrm>
+          <a:prstGeom prst="rect">
+            <a:avLst/>
+          </a:prstGeom>
+        </p:spPr>
+        <p:txBody>
+          <a:bodyPr lIns="0" rIns="0" tIns="0" bIns="0">
+            <a:normAutofit/>
+          </a:bodyPr>
+          <a:p>
+            <a:endParaRPr b="0" lang="pt-BR" sz="3200" spc="-1" strike="noStrike">
               <a:latin typeface="Arial"/>
             </a:endParaRPr>
           </a:p>
@@ -813,7 +764,7 @@
       </p:grpSpPr>
       <p:sp>
         <p:nvSpPr>
-          <p:cNvPr id="46" name="PlaceHolder 1"/>
+          <p:cNvPr id="44" name="PlaceHolder 1"/>
           <p:cNvSpPr>
             <a:spLocks noGrp="1"/>
           </p:cNvSpPr>
@@ -823,8 +774,8 @@
         </p:nvSpPr>
         <p:spPr>
           <a:xfrm>
-            <a:off x="311760" y="444960"/>
-            <a:ext cx="8520120" cy="572400"/>
+            <a:off x="311760" y="301680"/>
+            <a:ext cx="8519760" cy="858960"/>
           </a:xfrm>
           <a:prstGeom prst="rect">
             <a:avLst/>
@@ -835,18 +786,16 @@
             <a:spAutoFit/>
           </a:bodyPr>
           <a:p>
-            <a:endParaRPr b="0" lang="pt-BR" sz="1400" spc="-1" strike="noStrike">
-              <a:solidFill>
-                <a:srgbClr val="000000"/>
-              </a:solidFill>
-              <a:latin typeface="Arial"/>
-            </a:endParaRPr>
-          </a:p>
-        </p:txBody>
-      </p:sp>
-      <p:sp>
-        <p:nvSpPr>
-          <p:cNvPr id="47" name="PlaceHolder 2"/>
+            <a:pPr algn="ctr"/>
+            <a:endParaRPr b="0" lang="pt-BR" sz="4400" spc="-1" strike="noStrike">
+              <a:latin typeface="Arial"/>
+            </a:endParaRPr>
+          </a:p>
+        </p:txBody>
+      </p:sp>
+      <p:sp>
+        <p:nvSpPr>
+          <p:cNvPr id="45" name="PlaceHolder 2"/>
           <p:cNvSpPr>
             <a:spLocks noGrp="1"/>
           </p:cNvSpPr>
@@ -857,54 +806,48 @@
         <p:spPr>
           <a:xfrm>
             <a:off x="311760" y="1152360"/>
-            <a:ext cx="4157640" cy="3416040"/>
-          </a:xfrm>
-          <a:prstGeom prst="rect">
-            <a:avLst/>
-          </a:prstGeom>
-        </p:spPr>
-        <p:txBody>
-          <a:bodyPr lIns="0" rIns="0" tIns="0" bIns="0">
-            <a:normAutofit/>
-          </a:bodyPr>
-          <a:p>
-            <a:endParaRPr b="0" lang="pt-BR" sz="1400" spc="-1" strike="noStrike">
-              <a:solidFill>
-                <a:srgbClr val="000000"/>
-              </a:solidFill>
-              <a:latin typeface="Arial"/>
-            </a:endParaRPr>
-          </a:p>
-        </p:txBody>
-      </p:sp>
-      <p:sp>
-        <p:nvSpPr>
-          <p:cNvPr id="48" name="PlaceHolder 3"/>
-          <p:cNvSpPr>
-            <a:spLocks noGrp="1"/>
-          </p:cNvSpPr>
-          <p:nvPr>
-            <p:ph type="body"/>
-          </p:nvPr>
-        </p:nvSpPr>
-        <p:spPr>
-          <a:xfrm>
-            <a:off x="4677840" y="1152360"/>
-            <a:ext cx="4157640" cy="3416040"/>
-          </a:xfrm>
-          <a:prstGeom prst="rect">
-            <a:avLst/>
-          </a:prstGeom>
-        </p:spPr>
-        <p:txBody>
-          <a:bodyPr lIns="0" rIns="0" tIns="0" bIns="0">
-            <a:normAutofit/>
-          </a:bodyPr>
-          <a:p>
-            <a:endParaRPr b="0" lang="pt-BR" sz="1400" spc="-1" strike="noStrike">
-              <a:solidFill>
-                <a:srgbClr val="000000"/>
-              </a:solidFill>
+            <a:ext cx="4157280" cy="3415680"/>
+          </a:xfrm>
+          <a:prstGeom prst="rect">
+            <a:avLst/>
+          </a:prstGeom>
+        </p:spPr>
+        <p:txBody>
+          <a:bodyPr lIns="0" rIns="0" tIns="0" bIns="0">
+            <a:normAutofit/>
+          </a:bodyPr>
+          <a:p>
+            <a:endParaRPr b="0" lang="pt-BR" sz="3200" spc="-1" strike="noStrike">
+              <a:latin typeface="Arial"/>
+            </a:endParaRPr>
+          </a:p>
+        </p:txBody>
+      </p:sp>
+      <p:sp>
+        <p:nvSpPr>
+          <p:cNvPr id="46" name="PlaceHolder 3"/>
+          <p:cNvSpPr>
+            <a:spLocks noGrp="1"/>
+          </p:cNvSpPr>
+          <p:nvPr>
+            <p:ph type="body"/>
+          </p:nvPr>
+        </p:nvSpPr>
+        <p:spPr>
+          <a:xfrm>
+            <a:off x="4677120" y="1152360"/>
+            <a:ext cx="4157280" cy="3415680"/>
+          </a:xfrm>
+          <a:prstGeom prst="rect">
+            <a:avLst/>
+          </a:prstGeom>
+        </p:spPr>
+        <p:txBody>
+          <a:bodyPr lIns="0" rIns="0" tIns="0" bIns="0">
+            <a:normAutofit/>
+          </a:bodyPr>
+          <a:p>
+            <a:endParaRPr b="0" lang="pt-BR" sz="3200" spc="-1" strike="noStrike">
               <a:latin typeface="Arial"/>
             </a:endParaRPr>
           </a:p>
@@ -934,7 +877,7 @@
       </p:grpSpPr>
       <p:sp>
         <p:nvSpPr>
-          <p:cNvPr id="49" name="PlaceHolder 1"/>
+          <p:cNvPr id="47" name="PlaceHolder 1"/>
           <p:cNvSpPr>
             <a:spLocks noGrp="1"/>
           </p:cNvSpPr>
@@ -944,8 +887,8 @@
         </p:nvSpPr>
         <p:spPr>
           <a:xfrm>
-            <a:off x="311760" y="444960"/>
-            <a:ext cx="8520120" cy="572400"/>
+            <a:off x="311760" y="301680"/>
+            <a:ext cx="8519760" cy="858960"/>
           </a:xfrm>
           <a:prstGeom prst="rect">
             <a:avLst/>
@@ -956,10 +899,8 @@
             <a:spAutoFit/>
           </a:bodyPr>
           <a:p>
-            <a:endParaRPr b="0" lang="pt-BR" sz="1400" spc="-1" strike="noStrike">
-              <a:solidFill>
-                <a:srgbClr val="000000"/>
-              </a:solidFill>
+            <a:pPr algn="ctr"/>
+            <a:endParaRPr b="0" lang="pt-BR" sz="4400" spc="-1" strike="noStrike">
               <a:latin typeface="Arial"/>
             </a:endParaRPr>
           </a:p>
@@ -989,7 +930,7 @@
       </p:grpSpPr>
       <p:sp>
         <p:nvSpPr>
-          <p:cNvPr id="50" name="PlaceHolder 1"/>
+          <p:cNvPr id="48" name="PlaceHolder 1"/>
           <p:cNvSpPr>
             <a:spLocks noGrp="1"/>
           </p:cNvSpPr>
@@ -999,8 +940,8 @@
         </p:nvSpPr>
         <p:spPr>
           <a:xfrm>
-            <a:off x="311760" y="444960"/>
-            <a:ext cx="8520120" cy="2654640"/>
+            <a:off x="311760" y="301680"/>
+            <a:ext cx="8519760" cy="3983040"/>
           </a:xfrm>
           <a:prstGeom prst="rect">
             <a:avLst/>
@@ -1042,7 +983,7 @@
       </p:grpSpPr>
       <p:sp>
         <p:nvSpPr>
-          <p:cNvPr id="51" name="PlaceHolder 1"/>
+          <p:cNvPr id="49" name="PlaceHolder 1"/>
           <p:cNvSpPr>
             <a:spLocks noGrp="1"/>
           </p:cNvSpPr>
@@ -1052,8 +993,8 @@
         </p:nvSpPr>
         <p:spPr>
           <a:xfrm>
-            <a:off x="311760" y="444960"/>
-            <a:ext cx="8520120" cy="572400"/>
+            <a:off x="311760" y="301680"/>
+            <a:ext cx="8519760" cy="858960"/>
           </a:xfrm>
           <a:prstGeom prst="rect">
             <a:avLst/>
@@ -1064,18 +1005,16 @@
             <a:spAutoFit/>
           </a:bodyPr>
           <a:p>
-            <a:endParaRPr b="0" lang="pt-BR" sz="1400" spc="-1" strike="noStrike">
-              <a:solidFill>
-                <a:srgbClr val="000000"/>
-              </a:solidFill>
-              <a:latin typeface="Arial"/>
-            </a:endParaRPr>
-          </a:p>
-        </p:txBody>
-      </p:sp>
-      <p:sp>
-        <p:nvSpPr>
-          <p:cNvPr id="52" name="PlaceHolder 2"/>
+            <a:pPr algn="ctr"/>
+            <a:endParaRPr b="0" lang="pt-BR" sz="4400" spc="-1" strike="noStrike">
+              <a:latin typeface="Arial"/>
+            </a:endParaRPr>
+          </a:p>
+        </p:txBody>
+      </p:sp>
+      <p:sp>
+        <p:nvSpPr>
+          <p:cNvPr id="50" name="PlaceHolder 2"/>
           <p:cNvSpPr>
             <a:spLocks noGrp="1"/>
           </p:cNvSpPr>
@@ -1086,87 +1025,78 @@
         <p:spPr>
           <a:xfrm>
             <a:off x="311760" y="1152360"/>
-            <a:ext cx="4157640" cy="1629360"/>
-          </a:xfrm>
-          <a:prstGeom prst="rect">
-            <a:avLst/>
-          </a:prstGeom>
-        </p:spPr>
-        <p:txBody>
-          <a:bodyPr lIns="0" rIns="0" tIns="0" bIns="0">
-            <a:normAutofit/>
-          </a:bodyPr>
-          <a:p>
-            <a:endParaRPr b="0" lang="pt-BR" sz="1400" spc="-1" strike="noStrike">
-              <a:solidFill>
-                <a:srgbClr val="000000"/>
-              </a:solidFill>
-              <a:latin typeface="Arial"/>
-            </a:endParaRPr>
-          </a:p>
-        </p:txBody>
-      </p:sp>
-      <p:sp>
-        <p:nvSpPr>
-          <p:cNvPr id="53" name="PlaceHolder 3"/>
-          <p:cNvSpPr>
-            <a:spLocks noGrp="1"/>
-          </p:cNvSpPr>
-          <p:nvPr>
-            <p:ph type="body"/>
-          </p:nvPr>
-        </p:nvSpPr>
-        <p:spPr>
-          <a:xfrm>
-            <a:off x="4677840" y="1152360"/>
-            <a:ext cx="4157640" cy="3416040"/>
-          </a:xfrm>
-          <a:prstGeom prst="rect">
-            <a:avLst/>
-          </a:prstGeom>
-        </p:spPr>
-        <p:txBody>
-          <a:bodyPr lIns="0" rIns="0" tIns="0" bIns="0">
-            <a:normAutofit/>
-          </a:bodyPr>
-          <a:p>
-            <a:endParaRPr b="0" lang="pt-BR" sz="1400" spc="-1" strike="noStrike">
-              <a:solidFill>
-                <a:srgbClr val="000000"/>
-              </a:solidFill>
-              <a:latin typeface="Arial"/>
-            </a:endParaRPr>
-          </a:p>
-        </p:txBody>
-      </p:sp>
-      <p:sp>
-        <p:nvSpPr>
-          <p:cNvPr id="54" name="PlaceHolder 4"/>
-          <p:cNvSpPr>
-            <a:spLocks noGrp="1"/>
-          </p:cNvSpPr>
-          <p:nvPr>
-            <p:ph type="body"/>
-          </p:nvPr>
-        </p:nvSpPr>
-        <p:spPr>
-          <a:xfrm>
-            <a:off x="311760" y="2936880"/>
-            <a:ext cx="4157640" cy="1629360"/>
-          </a:xfrm>
-          <a:prstGeom prst="rect">
-            <a:avLst/>
-          </a:prstGeom>
-        </p:spPr>
-        <p:txBody>
-          <a:bodyPr lIns="0" rIns="0" tIns="0" bIns="0">
-            <a:normAutofit/>
-          </a:bodyPr>
-          <a:p>
-            <a:endParaRPr b="0" lang="pt-BR" sz="1400" spc="-1" strike="noStrike">
-              <a:solidFill>
-                <a:srgbClr val="000000"/>
-              </a:solidFill>
+            <a:ext cx="4157280" cy="1629000"/>
+          </a:xfrm>
+          <a:prstGeom prst="rect">
+            <a:avLst/>
+          </a:prstGeom>
+        </p:spPr>
+        <p:txBody>
+          <a:bodyPr lIns="0" rIns="0" tIns="0" bIns="0">
+            <a:normAutofit/>
+          </a:bodyPr>
+          <a:p>
+            <a:endParaRPr b="0" lang="pt-BR" sz="3200" spc="-1" strike="noStrike">
+              <a:latin typeface="Arial"/>
+            </a:endParaRPr>
+          </a:p>
+        </p:txBody>
+      </p:sp>
+      <p:sp>
+        <p:nvSpPr>
+          <p:cNvPr id="51" name="PlaceHolder 3"/>
+          <p:cNvSpPr>
+            <a:spLocks noGrp="1"/>
+          </p:cNvSpPr>
+          <p:nvPr>
+            <p:ph type="body"/>
+          </p:nvPr>
+        </p:nvSpPr>
+        <p:spPr>
+          <a:xfrm>
+            <a:off x="4677120" y="1152360"/>
+            <a:ext cx="4157280" cy="3415680"/>
+          </a:xfrm>
+          <a:prstGeom prst="rect">
+            <a:avLst/>
+          </a:prstGeom>
+        </p:spPr>
+        <p:txBody>
+          <a:bodyPr lIns="0" rIns="0" tIns="0" bIns="0">
+            <a:normAutofit/>
+          </a:bodyPr>
+          <a:p>
+            <a:endParaRPr b="0" lang="pt-BR" sz="3200" spc="-1" strike="noStrike">
+              <a:latin typeface="Arial"/>
+            </a:endParaRPr>
+          </a:p>
+        </p:txBody>
+      </p:sp>
+      <p:sp>
+        <p:nvSpPr>
+          <p:cNvPr id="52" name="PlaceHolder 4"/>
+          <p:cNvSpPr>
+            <a:spLocks noGrp="1"/>
+          </p:cNvSpPr>
+          <p:nvPr>
+            <p:ph type="body"/>
+          </p:nvPr>
+        </p:nvSpPr>
+        <p:spPr>
+          <a:xfrm>
+            <a:off x="311760" y="2936520"/>
+            <a:ext cx="4157280" cy="1629000"/>
+          </a:xfrm>
+          <a:prstGeom prst="rect">
+            <a:avLst/>
+          </a:prstGeom>
+        </p:spPr>
+        <p:txBody>
+          <a:bodyPr lIns="0" rIns="0" tIns="0" bIns="0">
+            <a:normAutofit/>
+          </a:bodyPr>
+          <a:p>
+            <a:endParaRPr b="0" lang="pt-BR" sz="3200" spc="-1" strike="noStrike">
               <a:latin typeface="Arial"/>
             </a:endParaRPr>
           </a:p>
@@ -1196,7 +1126,7 @@
       </p:grpSpPr>
       <p:sp>
         <p:nvSpPr>
-          <p:cNvPr id="3" name="PlaceHolder 1"/>
+          <p:cNvPr id="2" name="PlaceHolder 1"/>
           <p:cNvSpPr>
             <a:spLocks noGrp="1"/>
           </p:cNvSpPr>
@@ -1206,8 +1136,8 @@
         </p:nvSpPr>
         <p:spPr>
           <a:xfrm>
-            <a:off x="311760" y="444960"/>
-            <a:ext cx="8520120" cy="572400"/>
+            <a:off x="311760" y="301680"/>
+            <a:ext cx="8519760" cy="858960"/>
           </a:xfrm>
           <a:prstGeom prst="rect">
             <a:avLst/>
@@ -1218,18 +1148,16 @@
             <a:spAutoFit/>
           </a:bodyPr>
           <a:p>
-            <a:endParaRPr b="0" lang="pt-BR" sz="1400" spc="-1" strike="noStrike">
-              <a:solidFill>
-                <a:srgbClr val="000000"/>
-              </a:solidFill>
-              <a:latin typeface="Arial"/>
-            </a:endParaRPr>
-          </a:p>
-        </p:txBody>
-      </p:sp>
-      <p:sp>
-        <p:nvSpPr>
-          <p:cNvPr id="4" name="PlaceHolder 2"/>
+            <a:pPr algn="ctr"/>
+            <a:endParaRPr b="0" lang="pt-BR" sz="4400" spc="-1" strike="noStrike">
+              <a:latin typeface="Arial"/>
+            </a:endParaRPr>
+          </a:p>
+        </p:txBody>
+      </p:sp>
+      <p:sp>
+        <p:nvSpPr>
+          <p:cNvPr id="3" name="PlaceHolder 2"/>
           <p:cNvSpPr>
             <a:spLocks noGrp="1"/>
           </p:cNvSpPr>
@@ -1240,7 +1168,7 @@
         <p:spPr>
           <a:xfrm>
             <a:off x="311760" y="1152360"/>
-            <a:ext cx="8520120" cy="3416040"/>
+            <a:ext cx="8519760" cy="3415680"/>
           </a:xfrm>
           <a:prstGeom prst="rect">
             <a:avLst/>
@@ -1282,7 +1210,7 @@
       </p:grpSpPr>
       <p:sp>
         <p:nvSpPr>
-          <p:cNvPr id="55" name="PlaceHolder 1"/>
+          <p:cNvPr id="53" name="PlaceHolder 1"/>
           <p:cNvSpPr>
             <a:spLocks noGrp="1"/>
           </p:cNvSpPr>
@@ -1292,8 +1220,8 @@
         </p:nvSpPr>
         <p:spPr>
           <a:xfrm>
-            <a:off x="311760" y="444960"/>
-            <a:ext cx="8520120" cy="572400"/>
+            <a:off x="311760" y="301680"/>
+            <a:ext cx="8519760" cy="858960"/>
           </a:xfrm>
           <a:prstGeom prst="rect">
             <a:avLst/>
@@ -1304,18 +1232,16 @@
             <a:spAutoFit/>
           </a:bodyPr>
           <a:p>
-            <a:endParaRPr b="0" lang="pt-BR" sz="1400" spc="-1" strike="noStrike">
-              <a:solidFill>
-                <a:srgbClr val="000000"/>
-              </a:solidFill>
-              <a:latin typeface="Arial"/>
-            </a:endParaRPr>
-          </a:p>
-        </p:txBody>
-      </p:sp>
-      <p:sp>
-        <p:nvSpPr>
-          <p:cNvPr id="56" name="PlaceHolder 2"/>
+            <a:pPr algn="ctr"/>
+            <a:endParaRPr b="0" lang="pt-BR" sz="4400" spc="-1" strike="noStrike">
+              <a:latin typeface="Arial"/>
+            </a:endParaRPr>
+          </a:p>
+        </p:txBody>
+      </p:sp>
+      <p:sp>
+        <p:nvSpPr>
+          <p:cNvPr id="54" name="PlaceHolder 2"/>
           <p:cNvSpPr>
             <a:spLocks noGrp="1"/>
           </p:cNvSpPr>
@@ -1326,87 +1252,78 @@
         <p:spPr>
           <a:xfrm>
             <a:off x="311760" y="1152360"/>
-            <a:ext cx="4157640" cy="3416040"/>
-          </a:xfrm>
-          <a:prstGeom prst="rect">
-            <a:avLst/>
-          </a:prstGeom>
-        </p:spPr>
-        <p:txBody>
-          <a:bodyPr lIns="0" rIns="0" tIns="0" bIns="0">
-            <a:normAutofit/>
-          </a:bodyPr>
-          <a:p>
-            <a:endParaRPr b="0" lang="pt-BR" sz="1400" spc="-1" strike="noStrike">
-              <a:solidFill>
-                <a:srgbClr val="000000"/>
-              </a:solidFill>
-              <a:latin typeface="Arial"/>
-            </a:endParaRPr>
-          </a:p>
-        </p:txBody>
-      </p:sp>
-      <p:sp>
-        <p:nvSpPr>
-          <p:cNvPr id="57" name="PlaceHolder 3"/>
-          <p:cNvSpPr>
-            <a:spLocks noGrp="1"/>
-          </p:cNvSpPr>
-          <p:nvPr>
-            <p:ph type="body"/>
-          </p:nvPr>
-        </p:nvSpPr>
-        <p:spPr>
-          <a:xfrm>
-            <a:off x="4677840" y="1152360"/>
-            <a:ext cx="4157640" cy="1629360"/>
-          </a:xfrm>
-          <a:prstGeom prst="rect">
-            <a:avLst/>
-          </a:prstGeom>
-        </p:spPr>
-        <p:txBody>
-          <a:bodyPr lIns="0" rIns="0" tIns="0" bIns="0">
-            <a:normAutofit/>
-          </a:bodyPr>
-          <a:p>
-            <a:endParaRPr b="0" lang="pt-BR" sz="1400" spc="-1" strike="noStrike">
-              <a:solidFill>
-                <a:srgbClr val="000000"/>
-              </a:solidFill>
-              <a:latin typeface="Arial"/>
-            </a:endParaRPr>
-          </a:p>
-        </p:txBody>
-      </p:sp>
-      <p:sp>
-        <p:nvSpPr>
-          <p:cNvPr id="58" name="PlaceHolder 4"/>
-          <p:cNvSpPr>
-            <a:spLocks noGrp="1"/>
-          </p:cNvSpPr>
-          <p:nvPr>
-            <p:ph type="body"/>
-          </p:nvPr>
-        </p:nvSpPr>
-        <p:spPr>
-          <a:xfrm>
-            <a:off x="4677840" y="2936880"/>
-            <a:ext cx="4157640" cy="1629360"/>
-          </a:xfrm>
-          <a:prstGeom prst="rect">
-            <a:avLst/>
-          </a:prstGeom>
-        </p:spPr>
-        <p:txBody>
-          <a:bodyPr lIns="0" rIns="0" tIns="0" bIns="0">
-            <a:normAutofit/>
-          </a:bodyPr>
-          <a:p>
-            <a:endParaRPr b="0" lang="pt-BR" sz="1400" spc="-1" strike="noStrike">
-              <a:solidFill>
-                <a:srgbClr val="000000"/>
-              </a:solidFill>
+            <a:ext cx="4157280" cy="3415680"/>
+          </a:xfrm>
+          <a:prstGeom prst="rect">
+            <a:avLst/>
+          </a:prstGeom>
+        </p:spPr>
+        <p:txBody>
+          <a:bodyPr lIns="0" rIns="0" tIns="0" bIns="0">
+            <a:normAutofit/>
+          </a:bodyPr>
+          <a:p>
+            <a:endParaRPr b="0" lang="pt-BR" sz="3200" spc="-1" strike="noStrike">
+              <a:latin typeface="Arial"/>
+            </a:endParaRPr>
+          </a:p>
+        </p:txBody>
+      </p:sp>
+      <p:sp>
+        <p:nvSpPr>
+          <p:cNvPr id="55" name="PlaceHolder 3"/>
+          <p:cNvSpPr>
+            <a:spLocks noGrp="1"/>
+          </p:cNvSpPr>
+          <p:nvPr>
+            <p:ph type="body"/>
+          </p:nvPr>
+        </p:nvSpPr>
+        <p:spPr>
+          <a:xfrm>
+            <a:off x="4677120" y="1152360"/>
+            <a:ext cx="4157280" cy="1629000"/>
+          </a:xfrm>
+          <a:prstGeom prst="rect">
+            <a:avLst/>
+          </a:prstGeom>
+        </p:spPr>
+        <p:txBody>
+          <a:bodyPr lIns="0" rIns="0" tIns="0" bIns="0">
+            <a:normAutofit/>
+          </a:bodyPr>
+          <a:p>
+            <a:endParaRPr b="0" lang="pt-BR" sz="3200" spc="-1" strike="noStrike">
+              <a:latin typeface="Arial"/>
+            </a:endParaRPr>
+          </a:p>
+        </p:txBody>
+      </p:sp>
+      <p:sp>
+        <p:nvSpPr>
+          <p:cNvPr id="56" name="PlaceHolder 4"/>
+          <p:cNvSpPr>
+            <a:spLocks noGrp="1"/>
+          </p:cNvSpPr>
+          <p:nvPr>
+            <p:ph type="body"/>
+          </p:nvPr>
+        </p:nvSpPr>
+        <p:spPr>
+          <a:xfrm>
+            <a:off x="4677120" y="2936520"/>
+            <a:ext cx="4157280" cy="1629000"/>
+          </a:xfrm>
+          <a:prstGeom prst="rect">
+            <a:avLst/>
+          </a:prstGeom>
+        </p:spPr>
+        <p:txBody>
+          <a:bodyPr lIns="0" rIns="0" tIns="0" bIns="0">
+            <a:normAutofit/>
+          </a:bodyPr>
+          <a:p>
+            <a:endParaRPr b="0" lang="pt-BR" sz="3200" spc="-1" strike="noStrike">
               <a:latin typeface="Arial"/>
             </a:endParaRPr>
           </a:p>
@@ -1436,7 +1353,7 @@
       </p:grpSpPr>
       <p:sp>
         <p:nvSpPr>
-          <p:cNvPr id="59" name="PlaceHolder 1"/>
+          <p:cNvPr id="57" name="PlaceHolder 1"/>
           <p:cNvSpPr>
             <a:spLocks noGrp="1"/>
           </p:cNvSpPr>
@@ -1446,8 +1363,8 @@
         </p:nvSpPr>
         <p:spPr>
           <a:xfrm>
-            <a:off x="311760" y="444960"/>
-            <a:ext cx="8520120" cy="572400"/>
+            <a:off x="311760" y="301680"/>
+            <a:ext cx="8519760" cy="858960"/>
           </a:xfrm>
           <a:prstGeom prst="rect">
             <a:avLst/>
@@ -1458,18 +1375,16 @@
             <a:spAutoFit/>
           </a:bodyPr>
           <a:p>
-            <a:endParaRPr b="0" lang="pt-BR" sz="1400" spc="-1" strike="noStrike">
-              <a:solidFill>
-                <a:srgbClr val="000000"/>
-              </a:solidFill>
-              <a:latin typeface="Arial"/>
-            </a:endParaRPr>
-          </a:p>
-        </p:txBody>
-      </p:sp>
-      <p:sp>
-        <p:nvSpPr>
-          <p:cNvPr id="60" name="PlaceHolder 2"/>
+            <a:pPr algn="ctr"/>
+            <a:endParaRPr b="0" lang="pt-BR" sz="4400" spc="-1" strike="noStrike">
+              <a:latin typeface="Arial"/>
+            </a:endParaRPr>
+          </a:p>
+        </p:txBody>
+      </p:sp>
+      <p:sp>
+        <p:nvSpPr>
+          <p:cNvPr id="58" name="PlaceHolder 2"/>
           <p:cNvSpPr>
             <a:spLocks noGrp="1"/>
           </p:cNvSpPr>
@@ -1480,87 +1395,78 @@
         <p:spPr>
           <a:xfrm>
             <a:off x="311760" y="1152360"/>
-            <a:ext cx="4157640" cy="1629360"/>
-          </a:xfrm>
-          <a:prstGeom prst="rect">
-            <a:avLst/>
-          </a:prstGeom>
-        </p:spPr>
-        <p:txBody>
-          <a:bodyPr lIns="0" rIns="0" tIns="0" bIns="0">
-            <a:normAutofit/>
-          </a:bodyPr>
-          <a:p>
-            <a:endParaRPr b="0" lang="pt-BR" sz="1400" spc="-1" strike="noStrike">
-              <a:solidFill>
-                <a:srgbClr val="000000"/>
-              </a:solidFill>
-              <a:latin typeface="Arial"/>
-            </a:endParaRPr>
-          </a:p>
-        </p:txBody>
-      </p:sp>
-      <p:sp>
-        <p:nvSpPr>
-          <p:cNvPr id="61" name="PlaceHolder 3"/>
-          <p:cNvSpPr>
-            <a:spLocks noGrp="1"/>
-          </p:cNvSpPr>
-          <p:nvPr>
-            <p:ph type="body"/>
-          </p:nvPr>
-        </p:nvSpPr>
-        <p:spPr>
-          <a:xfrm>
-            <a:off x="4677840" y="1152360"/>
-            <a:ext cx="4157640" cy="1629360"/>
-          </a:xfrm>
-          <a:prstGeom prst="rect">
-            <a:avLst/>
-          </a:prstGeom>
-        </p:spPr>
-        <p:txBody>
-          <a:bodyPr lIns="0" rIns="0" tIns="0" bIns="0">
-            <a:normAutofit/>
-          </a:bodyPr>
-          <a:p>
-            <a:endParaRPr b="0" lang="pt-BR" sz="1400" spc="-1" strike="noStrike">
-              <a:solidFill>
-                <a:srgbClr val="000000"/>
-              </a:solidFill>
-              <a:latin typeface="Arial"/>
-            </a:endParaRPr>
-          </a:p>
-        </p:txBody>
-      </p:sp>
-      <p:sp>
-        <p:nvSpPr>
-          <p:cNvPr id="62" name="PlaceHolder 4"/>
-          <p:cNvSpPr>
-            <a:spLocks noGrp="1"/>
-          </p:cNvSpPr>
-          <p:nvPr>
-            <p:ph type="body"/>
-          </p:nvPr>
-        </p:nvSpPr>
-        <p:spPr>
-          <a:xfrm>
-            <a:off x="311760" y="2936880"/>
-            <a:ext cx="8520120" cy="1629360"/>
-          </a:xfrm>
-          <a:prstGeom prst="rect">
-            <a:avLst/>
-          </a:prstGeom>
-        </p:spPr>
-        <p:txBody>
-          <a:bodyPr lIns="0" rIns="0" tIns="0" bIns="0">
-            <a:normAutofit/>
-          </a:bodyPr>
-          <a:p>
-            <a:endParaRPr b="0" lang="pt-BR" sz="1400" spc="-1" strike="noStrike">
-              <a:solidFill>
-                <a:srgbClr val="000000"/>
-              </a:solidFill>
+            <a:ext cx="4157280" cy="1629000"/>
+          </a:xfrm>
+          <a:prstGeom prst="rect">
+            <a:avLst/>
+          </a:prstGeom>
+        </p:spPr>
+        <p:txBody>
+          <a:bodyPr lIns="0" rIns="0" tIns="0" bIns="0">
+            <a:normAutofit/>
+          </a:bodyPr>
+          <a:p>
+            <a:endParaRPr b="0" lang="pt-BR" sz="3200" spc="-1" strike="noStrike">
+              <a:latin typeface="Arial"/>
+            </a:endParaRPr>
+          </a:p>
+        </p:txBody>
+      </p:sp>
+      <p:sp>
+        <p:nvSpPr>
+          <p:cNvPr id="59" name="PlaceHolder 3"/>
+          <p:cNvSpPr>
+            <a:spLocks noGrp="1"/>
+          </p:cNvSpPr>
+          <p:nvPr>
+            <p:ph type="body"/>
+          </p:nvPr>
+        </p:nvSpPr>
+        <p:spPr>
+          <a:xfrm>
+            <a:off x="4677120" y="1152360"/>
+            <a:ext cx="4157280" cy="1629000"/>
+          </a:xfrm>
+          <a:prstGeom prst="rect">
+            <a:avLst/>
+          </a:prstGeom>
+        </p:spPr>
+        <p:txBody>
+          <a:bodyPr lIns="0" rIns="0" tIns="0" bIns="0">
+            <a:normAutofit/>
+          </a:bodyPr>
+          <a:p>
+            <a:endParaRPr b="0" lang="pt-BR" sz="3200" spc="-1" strike="noStrike">
+              <a:latin typeface="Arial"/>
+            </a:endParaRPr>
+          </a:p>
+        </p:txBody>
+      </p:sp>
+      <p:sp>
+        <p:nvSpPr>
+          <p:cNvPr id="60" name="PlaceHolder 4"/>
+          <p:cNvSpPr>
+            <a:spLocks noGrp="1"/>
+          </p:cNvSpPr>
+          <p:nvPr>
+            <p:ph type="body"/>
+          </p:nvPr>
+        </p:nvSpPr>
+        <p:spPr>
+          <a:xfrm>
+            <a:off x="311760" y="2936520"/>
+            <a:ext cx="8519760" cy="1629000"/>
+          </a:xfrm>
+          <a:prstGeom prst="rect">
+            <a:avLst/>
+          </a:prstGeom>
+        </p:spPr>
+        <p:txBody>
+          <a:bodyPr lIns="0" rIns="0" tIns="0" bIns="0">
+            <a:normAutofit/>
+          </a:bodyPr>
+          <a:p>
+            <a:endParaRPr b="0" lang="pt-BR" sz="3200" spc="-1" strike="noStrike">
               <a:latin typeface="Arial"/>
             </a:endParaRPr>
           </a:p>
@@ -1590,7 +1496,7 @@
       </p:grpSpPr>
       <p:sp>
         <p:nvSpPr>
-          <p:cNvPr id="63" name="PlaceHolder 1"/>
+          <p:cNvPr id="61" name="PlaceHolder 1"/>
           <p:cNvSpPr>
             <a:spLocks noGrp="1"/>
           </p:cNvSpPr>
@@ -1600,8 +1506,8 @@
         </p:nvSpPr>
         <p:spPr>
           <a:xfrm>
-            <a:off x="311760" y="444960"/>
-            <a:ext cx="8520120" cy="572400"/>
+            <a:off x="311760" y="301680"/>
+            <a:ext cx="8519760" cy="858960"/>
           </a:xfrm>
           <a:prstGeom prst="rect">
             <a:avLst/>
@@ -1612,18 +1518,16 @@
             <a:spAutoFit/>
           </a:bodyPr>
           <a:p>
-            <a:endParaRPr b="0" lang="pt-BR" sz="1400" spc="-1" strike="noStrike">
-              <a:solidFill>
-                <a:srgbClr val="000000"/>
-              </a:solidFill>
-              <a:latin typeface="Arial"/>
-            </a:endParaRPr>
-          </a:p>
-        </p:txBody>
-      </p:sp>
-      <p:sp>
-        <p:nvSpPr>
-          <p:cNvPr id="64" name="PlaceHolder 2"/>
+            <a:pPr algn="ctr"/>
+            <a:endParaRPr b="0" lang="pt-BR" sz="4400" spc="-1" strike="noStrike">
+              <a:latin typeface="Arial"/>
+            </a:endParaRPr>
+          </a:p>
+        </p:txBody>
+      </p:sp>
+      <p:sp>
+        <p:nvSpPr>
+          <p:cNvPr id="62" name="PlaceHolder 2"/>
           <p:cNvSpPr>
             <a:spLocks noGrp="1"/>
           </p:cNvSpPr>
@@ -1634,54 +1538,48 @@
         <p:spPr>
           <a:xfrm>
             <a:off x="311760" y="1152360"/>
-            <a:ext cx="8520120" cy="1629360"/>
-          </a:xfrm>
-          <a:prstGeom prst="rect">
-            <a:avLst/>
-          </a:prstGeom>
-        </p:spPr>
-        <p:txBody>
-          <a:bodyPr lIns="0" rIns="0" tIns="0" bIns="0">
-            <a:normAutofit/>
-          </a:bodyPr>
-          <a:p>
-            <a:endParaRPr b="0" lang="pt-BR" sz="1400" spc="-1" strike="noStrike">
-              <a:solidFill>
-                <a:srgbClr val="000000"/>
-              </a:solidFill>
-              <a:latin typeface="Arial"/>
-            </a:endParaRPr>
-          </a:p>
-        </p:txBody>
-      </p:sp>
-      <p:sp>
-        <p:nvSpPr>
-          <p:cNvPr id="65" name="PlaceHolder 3"/>
-          <p:cNvSpPr>
-            <a:spLocks noGrp="1"/>
-          </p:cNvSpPr>
-          <p:nvPr>
-            <p:ph type="body"/>
-          </p:nvPr>
-        </p:nvSpPr>
-        <p:spPr>
-          <a:xfrm>
-            <a:off x="311760" y="2936880"/>
-            <a:ext cx="8520120" cy="1629360"/>
-          </a:xfrm>
-          <a:prstGeom prst="rect">
-            <a:avLst/>
-          </a:prstGeom>
-        </p:spPr>
-        <p:txBody>
-          <a:bodyPr lIns="0" rIns="0" tIns="0" bIns="0">
-            <a:normAutofit/>
-          </a:bodyPr>
-          <a:p>
-            <a:endParaRPr b="0" lang="pt-BR" sz="1400" spc="-1" strike="noStrike">
-              <a:solidFill>
-                <a:srgbClr val="000000"/>
-              </a:solidFill>
+            <a:ext cx="8519760" cy="1629000"/>
+          </a:xfrm>
+          <a:prstGeom prst="rect">
+            <a:avLst/>
+          </a:prstGeom>
+        </p:spPr>
+        <p:txBody>
+          <a:bodyPr lIns="0" rIns="0" tIns="0" bIns="0">
+            <a:normAutofit/>
+          </a:bodyPr>
+          <a:p>
+            <a:endParaRPr b="0" lang="pt-BR" sz="3200" spc="-1" strike="noStrike">
+              <a:latin typeface="Arial"/>
+            </a:endParaRPr>
+          </a:p>
+        </p:txBody>
+      </p:sp>
+      <p:sp>
+        <p:nvSpPr>
+          <p:cNvPr id="63" name="PlaceHolder 3"/>
+          <p:cNvSpPr>
+            <a:spLocks noGrp="1"/>
+          </p:cNvSpPr>
+          <p:nvPr>
+            <p:ph type="body"/>
+          </p:nvPr>
+        </p:nvSpPr>
+        <p:spPr>
+          <a:xfrm>
+            <a:off x="311760" y="2936520"/>
+            <a:ext cx="8519760" cy="1629000"/>
+          </a:xfrm>
+          <a:prstGeom prst="rect">
+            <a:avLst/>
+          </a:prstGeom>
+        </p:spPr>
+        <p:txBody>
+          <a:bodyPr lIns="0" rIns="0" tIns="0" bIns="0">
+            <a:normAutofit/>
+          </a:bodyPr>
+          <a:p>
+            <a:endParaRPr b="0" lang="pt-BR" sz="3200" spc="-1" strike="noStrike">
               <a:latin typeface="Arial"/>
             </a:endParaRPr>
           </a:p>
@@ -1711,7 +1609,7 @@
       </p:grpSpPr>
       <p:sp>
         <p:nvSpPr>
-          <p:cNvPr id="66" name="PlaceHolder 1"/>
+          <p:cNvPr id="64" name="PlaceHolder 1"/>
           <p:cNvSpPr>
             <a:spLocks noGrp="1"/>
           </p:cNvSpPr>
@@ -1721,8 +1619,8 @@
         </p:nvSpPr>
         <p:spPr>
           <a:xfrm>
-            <a:off x="311760" y="444960"/>
-            <a:ext cx="8520120" cy="572400"/>
+            <a:off x="311760" y="301680"/>
+            <a:ext cx="8519760" cy="858960"/>
           </a:xfrm>
           <a:prstGeom prst="rect">
             <a:avLst/>
@@ -1733,18 +1631,16 @@
             <a:spAutoFit/>
           </a:bodyPr>
           <a:p>
-            <a:endParaRPr b="0" lang="pt-BR" sz="1400" spc="-1" strike="noStrike">
-              <a:solidFill>
-                <a:srgbClr val="000000"/>
-              </a:solidFill>
-              <a:latin typeface="Arial"/>
-            </a:endParaRPr>
-          </a:p>
-        </p:txBody>
-      </p:sp>
-      <p:sp>
-        <p:nvSpPr>
-          <p:cNvPr id="67" name="PlaceHolder 2"/>
+            <a:pPr algn="ctr"/>
+            <a:endParaRPr b="0" lang="pt-BR" sz="4400" spc="-1" strike="noStrike">
+              <a:latin typeface="Arial"/>
+            </a:endParaRPr>
+          </a:p>
+        </p:txBody>
+      </p:sp>
+      <p:sp>
+        <p:nvSpPr>
+          <p:cNvPr id="65" name="PlaceHolder 2"/>
           <p:cNvSpPr>
             <a:spLocks noGrp="1"/>
           </p:cNvSpPr>
@@ -1755,120 +1651,108 @@
         <p:spPr>
           <a:xfrm>
             <a:off x="311760" y="1152360"/>
-            <a:ext cx="4157640" cy="1629360"/>
-          </a:xfrm>
-          <a:prstGeom prst="rect">
-            <a:avLst/>
-          </a:prstGeom>
-        </p:spPr>
-        <p:txBody>
-          <a:bodyPr lIns="0" rIns="0" tIns="0" bIns="0">
-            <a:normAutofit/>
-          </a:bodyPr>
-          <a:p>
-            <a:endParaRPr b="0" lang="pt-BR" sz="1400" spc="-1" strike="noStrike">
-              <a:solidFill>
-                <a:srgbClr val="000000"/>
-              </a:solidFill>
-              <a:latin typeface="Arial"/>
-            </a:endParaRPr>
-          </a:p>
-        </p:txBody>
-      </p:sp>
-      <p:sp>
-        <p:nvSpPr>
-          <p:cNvPr id="68" name="PlaceHolder 3"/>
-          <p:cNvSpPr>
-            <a:spLocks noGrp="1"/>
-          </p:cNvSpPr>
-          <p:nvPr>
-            <p:ph type="body"/>
-          </p:nvPr>
-        </p:nvSpPr>
-        <p:spPr>
-          <a:xfrm>
-            <a:off x="4677840" y="1152360"/>
-            <a:ext cx="4157640" cy="1629360"/>
-          </a:xfrm>
-          <a:prstGeom prst="rect">
-            <a:avLst/>
-          </a:prstGeom>
-        </p:spPr>
-        <p:txBody>
-          <a:bodyPr lIns="0" rIns="0" tIns="0" bIns="0">
-            <a:normAutofit/>
-          </a:bodyPr>
-          <a:p>
-            <a:endParaRPr b="0" lang="pt-BR" sz="1400" spc="-1" strike="noStrike">
-              <a:solidFill>
-                <a:srgbClr val="000000"/>
-              </a:solidFill>
-              <a:latin typeface="Arial"/>
-            </a:endParaRPr>
-          </a:p>
-        </p:txBody>
-      </p:sp>
-      <p:sp>
-        <p:nvSpPr>
-          <p:cNvPr id="69" name="PlaceHolder 4"/>
-          <p:cNvSpPr>
-            <a:spLocks noGrp="1"/>
-          </p:cNvSpPr>
-          <p:nvPr>
-            <p:ph type="body"/>
-          </p:nvPr>
-        </p:nvSpPr>
-        <p:spPr>
-          <a:xfrm>
-            <a:off x="311760" y="2936880"/>
-            <a:ext cx="4157640" cy="1629360"/>
-          </a:xfrm>
-          <a:prstGeom prst="rect">
-            <a:avLst/>
-          </a:prstGeom>
-        </p:spPr>
-        <p:txBody>
-          <a:bodyPr lIns="0" rIns="0" tIns="0" bIns="0">
-            <a:normAutofit/>
-          </a:bodyPr>
-          <a:p>
-            <a:endParaRPr b="0" lang="pt-BR" sz="1400" spc="-1" strike="noStrike">
-              <a:solidFill>
-                <a:srgbClr val="000000"/>
-              </a:solidFill>
-              <a:latin typeface="Arial"/>
-            </a:endParaRPr>
-          </a:p>
-        </p:txBody>
-      </p:sp>
-      <p:sp>
-        <p:nvSpPr>
-          <p:cNvPr id="70" name="PlaceHolder 5"/>
-          <p:cNvSpPr>
-            <a:spLocks noGrp="1"/>
-          </p:cNvSpPr>
-          <p:nvPr>
-            <p:ph type="body"/>
-          </p:nvPr>
-        </p:nvSpPr>
-        <p:spPr>
-          <a:xfrm>
-            <a:off x="4677840" y="2936880"/>
-            <a:ext cx="4157640" cy="1629360"/>
-          </a:xfrm>
-          <a:prstGeom prst="rect">
-            <a:avLst/>
-          </a:prstGeom>
-        </p:spPr>
-        <p:txBody>
-          <a:bodyPr lIns="0" rIns="0" tIns="0" bIns="0">
-            <a:normAutofit/>
-          </a:bodyPr>
-          <a:p>
-            <a:endParaRPr b="0" lang="pt-BR" sz="1400" spc="-1" strike="noStrike">
-              <a:solidFill>
-                <a:srgbClr val="000000"/>
-              </a:solidFill>
+            <a:ext cx="4157280" cy="1629000"/>
+          </a:xfrm>
+          <a:prstGeom prst="rect">
+            <a:avLst/>
+          </a:prstGeom>
+        </p:spPr>
+        <p:txBody>
+          <a:bodyPr lIns="0" rIns="0" tIns="0" bIns="0">
+            <a:normAutofit/>
+          </a:bodyPr>
+          <a:p>
+            <a:endParaRPr b="0" lang="pt-BR" sz="3200" spc="-1" strike="noStrike">
+              <a:latin typeface="Arial"/>
+            </a:endParaRPr>
+          </a:p>
+        </p:txBody>
+      </p:sp>
+      <p:sp>
+        <p:nvSpPr>
+          <p:cNvPr id="66" name="PlaceHolder 3"/>
+          <p:cNvSpPr>
+            <a:spLocks noGrp="1"/>
+          </p:cNvSpPr>
+          <p:nvPr>
+            <p:ph type="body"/>
+          </p:nvPr>
+        </p:nvSpPr>
+        <p:spPr>
+          <a:xfrm>
+            <a:off x="4677120" y="1152360"/>
+            <a:ext cx="4157280" cy="1629000"/>
+          </a:xfrm>
+          <a:prstGeom prst="rect">
+            <a:avLst/>
+          </a:prstGeom>
+        </p:spPr>
+        <p:txBody>
+          <a:bodyPr lIns="0" rIns="0" tIns="0" bIns="0">
+            <a:normAutofit/>
+          </a:bodyPr>
+          <a:p>
+            <a:endParaRPr b="0" lang="pt-BR" sz="3200" spc="-1" strike="noStrike">
+              <a:latin typeface="Arial"/>
+            </a:endParaRPr>
+          </a:p>
+        </p:txBody>
+      </p:sp>
+      <p:sp>
+        <p:nvSpPr>
+          <p:cNvPr id="67" name="PlaceHolder 4"/>
+          <p:cNvSpPr>
+            <a:spLocks noGrp="1"/>
+          </p:cNvSpPr>
+          <p:nvPr>
+            <p:ph type="body"/>
+          </p:nvPr>
+        </p:nvSpPr>
+        <p:spPr>
+          <a:xfrm>
+            <a:off x="311760" y="2936520"/>
+            <a:ext cx="4157280" cy="1629000"/>
+          </a:xfrm>
+          <a:prstGeom prst="rect">
+            <a:avLst/>
+          </a:prstGeom>
+        </p:spPr>
+        <p:txBody>
+          <a:bodyPr lIns="0" rIns="0" tIns="0" bIns="0">
+            <a:normAutofit/>
+          </a:bodyPr>
+          <a:p>
+            <a:endParaRPr b="0" lang="pt-BR" sz="3200" spc="-1" strike="noStrike">
+              <a:latin typeface="Arial"/>
+            </a:endParaRPr>
+          </a:p>
+        </p:txBody>
+      </p:sp>
+      <p:sp>
+        <p:nvSpPr>
+          <p:cNvPr id="68" name="PlaceHolder 5"/>
+          <p:cNvSpPr>
+            <a:spLocks noGrp="1"/>
+          </p:cNvSpPr>
+          <p:nvPr>
+            <p:ph type="body"/>
+          </p:nvPr>
+        </p:nvSpPr>
+        <p:spPr>
+          <a:xfrm>
+            <a:off x="4677120" y="2936520"/>
+            <a:ext cx="4157280" cy="1629000"/>
+          </a:xfrm>
+          <a:prstGeom prst="rect">
+            <a:avLst/>
+          </a:prstGeom>
+        </p:spPr>
+        <p:txBody>
+          <a:bodyPr lIns="0" rIns="0" tIns="0" bIns="0">
+            <a:normAutofit/>
+          </a:bodyPr>
+          <a:p>
+            <a:endParaRPr b="0" lang="pt-BR" sz="3200" spc="-1" strike="noStrike">
               <a:latin typeface="Arial"/>
             </a:endParaRPr>
           </a:p>
@@ -1898,7 +1782,7 @@
       </p:grpSpPr>
       <p:sp>
         <p:nvSpPr>
-          <p:cNvPr id="71" name="PlaceHolder 1"/>
+          <p:cNvPr id="69" name="PlaceHolder 1"/>
           <p:cNvSpPr>
             <a:spLocks noGrp="1"/>
           </p:cNvSpPr>
@@ -1908,8 +1792,8 @@
         </p:nvSpPr>
         <p:spPr>
           <a:xfrm>
-            <a:off x="311760" y="444960"/>
-            <a:ext cx="8520120" cy="572400"/>
+            <a:off x="311760" y="301680"/>
+            <a:ext cx="8519760" cy="858960"/>
           </a:xfrm>
           <a:prstGeom prst="rect">
             <a:avLst/>
@@ -1920,18 +1804,16 @@
             <a:spAutoFit/>
           </a:bodyPr>
           <a:p>
-            <a:endParaRPr b="0" lang="pt-BR" sz="1400" spc="-1" strike="noStrike">
-              <a:solidFill>
-                <a:srgbClr val="000000"/>
-              </a:solidFill>
-              <a:latin typeface="Arial"/>
-            </a:endParaRPr>
-          </a:p>
-        </p:txBody>
-      </p:sp>
-      <p:sp>
-        <p:nvSpPr>
-          <p:cNvPr id="72" name="PlaceHolder 2"/>
+            <a:pPr algn="ctr"/>
+            <a:endParaRPr b="0" lang="pt-BR" sz="4400" spc="-1" strike="noStrike">
+              <a:latin typeface="Arial"/>
+            </a:endParaRPr>
+          </a:p>
+        </p:txBody>
+      </p:sp>
+      <p:sp>
+        <p:nvSpPr>
+          <p:cNvPr id="70" name="PlaceHolder 2"/>
           <p:cNvSpPr>
             <a:spLocks noGrp="1"/>
           </p:cNvSpPr>
@@ -1942,29 +1824,26 @@
         <p:spPr>
           <a:xfrm>
             <a:off x="311760" y="1152360"/>
-            <a:ext cx="2743200" cy="1629360"/>
-          </a:xfrm>
-          <a:prstGeom prst="rect">
-            <a:avLst/>
-          </a:prstGeom>
-        </p:spPr>
-        <p:txBody>
-          <a:bodyPr lIns="0" rIns="0" tIns="0" bIns="0">
-            <a:normAutofit/>
-          </a:bodyPr>
-          <a:p>
-            <a:endParaRPr b="0" lang="pt-BR" sz="1400" spc="-1" strike="noStrike">
-              <a:solidFill>
-                <a:srgbClr val="000000"/>
-              </a:solidFill>
-              <a:latin typeface="Arial"/>
-            </a:endParaRPr>
-          </a:p>
-        </p:txBody>
-      </p:sp>
-      <p:sp>
-        <p:nvSpPr>
-          <p:cNvPr id="73" name="PlaceHolder 3"/>
+            <a:ext cx="2743200" cy="1629000"/>
+          </a:xfrm>
+          <a:prstGeom prst="rect">
+            <a:avLst/>
+          </a:prstGeom>
+        </p:spPr>
+        <p:txBody>
+          <a:bodyPr lIns="0" rIns="0" tIns="0" bIns="0">
+            <a:normAutofit/>
+          </a:bodyPr>
+          <a:p>
+            <a:endParaRPr b="0" lang="pt-BR" sz="3200" spc="-1" strike="noStrike">
+              <a:latin typeface="Arial"/>
+            </a:endParaRPr>
+          </a:p>
+        </p:txBody>
+      </p:sp>
+      <p:sp>
+        <p:nvSpPr>
+          <p:cNvPr id="71" name="PlaceHolder 3"/>
           <p:cNvSpPr>
             <a:spLocks noGrp="1"/>
           </p:cNvSpPr>
@@ -1975,29 +1854,26 @@
         <p:spPr>
           <a:xfrm>
             <a:off x="3192480" y="1152360"/>
-            <a:ext cx="2743200" cy="1629360"/>
-          </a:xfrm>
-          <a:prstGeom prst="rect">
-            <a:avLst/>
-          </a:prstGeom>
-        </p:spPr>
-        <p:txBody>
-          <a:bodyPr lIns="0" rIns="0" tIns="0" bIns="0">
-            <a:normAutofit/>
-          </a:bodyPr>
-          <a:p>
-            <a:endParaRPr b="0" lang="pt-BR" sz="1400" spc="-1" strike="noStrike">
-              <a:solidFill>
-                <a:srgbClr val="000000"/>
-              </a:solidFill>
-              <a:latin typeface="Arial"/>
-            </a:endParaRPr>
-          </a:p>
-        </p:txBody>
-      </p:sp>
-      <p:sp>
-        <p:nvSpPr>
-          <p:cNvPr id="74" name="PlaceHolder 4"/>
+            <a:ext cx="2743200" cy="1629000"/>
+          </a:xfrm>
+          <a:prstGeom prst="rect">
+            <a:avLst/>
+          </a:prstGeom>
+        </p:spPr>
+        <p:txBody>
+          <a:bodyPr lIns="0" rIns="0" tIns="0" bIns="0">
+            <a:normAutofit/>
+          </a:bodyPr>
+          <a:p>
+            <a:endParaRPr b="0" lang="pt-BR" sz="3200" spc="-1" strike="noStrike">
+              <a:latin typeface="Arial"/>
+            </a:endParaRPr>
+          </a:p>
+        </p:txBody>
+      </p:sp>
+      <p:sp>
+        <p:nvSpPr>
+          <p:cNvPr id="72" name="PlaceHolder 4"/>
           <p:cNvSpPr>
             <a:spLocks noGrp="1"/>
           </p:cNvSpPr>
@@ -2008,120 +1884,108 @@
         <p:spPr>
           <a:xfrm>
             <a:off x="6073200" y="1152360"/>
-            <a:ext cx="2743200" cy="1629360"/>
-          </a:xfrm>
-          <a:prstGeom prst="rect">
-            <a:avLst/>
-          </a:prstGeom>
-        </p:spPr>
-        <p:txBody>
-          <a:bodyPr lIns="0" rIns="0" tIns="0" bIns="0">
-            <a:normAutofit/>
-          </a:bodyPr>
-          <a:p>
-            <a:endParaRPr b="0" lang="pt-BR" sz="1400" spc="-1" strike="noStrike">
-              <a:solidFill>
-                <a:srgbClr val="000000"/>
-              </a:solidFill>
-              <a:latin typeface="Arial"/>
-            </a:endParaRPr>
-          </a:p>
-        </p:txBody>
-      </p:sp>
-      <p:sp>
-        <p:nvSpPr>
-          <p:cNvPr id="75" name="PlaceHolder 5"/>
-          <p:cNvSpPr>
-            <a:spLocks noGrp="1"/>
-          </p:cNvSpPr>
-          <p:nvPr>
-            <p:ph type="body"/>
-          </p:nvPr>
-        </p:nvSpPr>
-        <p:spPr>
-          <a:xfrm>
-            <a:off x="311760" y="2936880"/>
-            <a:ext cx="2743200" cy="1629360"/>
-          </a:xfrm>
-          <a:prstGeom prst="rect">
-            <a:avLst/>
-          </a:prstGeom>
-        </p:spPr>
-        <p:txBody>
-          <a:bodyPr lIns="0" rIns="0" tIns="0" bIns="0">
-            <a:normAutofit/>
-          </a:bodyPr>
-          <a:p>
-            <a:endParaRPr b="0" lang="pt-BR" sz="1400" spc="-1" strike="noStrike">
-              <a:solidFill>
-                <a:srgbClr val="000000"/>
-              </a:solidFill>
-              <a:latin typeface="Arial"/>
-            </a:endParaRPr>
-          </a:p>
-        </p:txBody>
-      </p:sp>
-      <p:sp>
-        <p:nvSpPr>
-          <p:cNvPr id="76" name="PlaceHolder 6"/>
-          <p:cNvSpPr>
-            <a:spLocks noGrp="1"/>
-          </p:cNvSpPr>
-          <p:nvPr>
-            <p:ph type="body"/>
-          </p:nvPr>
-        </p:nvSpPr>
-        <p:spPr>
-          <a:xfrm>
-            <a:off x="3192480" y="2936880"/>
-            <a:ext cx="2743200" cy="1629360"/>
-          </a:xfrm>
-          <a:prstGeom prst="rect">
-            <a:avLst/>
-          </a:prstGeom>
-        </p:spPr>
-        <p:txBody>
-          <a:bodyPr lIns="0" rIns="0" tIns="0" bIns="0">
-            <a:normAutofit/>
-          </a:bodyPr>
-          <a:p>
-            <a:endParaRPr b="0" lang="pt-BR" sz="1400" spc="-1" strike="noStrike">
-              <a:solidFill>
-                <a:srgbClr val="000000"/>
-              </a:solidFill>
-              <a:latin typeface="Arial"/>
-            </a:endParaRPr>
-          </a:p>
-        </p:txBody>
-      </p:sp>
-      <p:sp>
-        <p:nvSpPr>
-          <p:cNvPr id="77" name="PlaceHolder 7"/>
-          <p:cNvSpPr>
-            <a:spLocks noGrp="1"/>
-          </p:cNvSpPr>
-          <p:nvPr>
-            <p:ph type="body"/>
-          </p:nvPr>
-        </p:nvSpPr>
-        <p:spPr>
-          <a:xfrm>
-            <a:off x="6073200" y="2936880"/>
-            <a:ext cx="2743200" cy="1629360"/>
-          </a:xfrm>
-          <a:prstGeom prst="rect">
-            <a:avLst/>
-          </a:prstGeom>
-        </p:spPr>
-        <p:txBody>
-          <a:bodyPr lIns="0" rIns="0" tIns="0" bIns="0">
-            <a:normAutofit/>
-          </a:bodyPr>
-          <a:p>
-            <a:endParaRPr b="0" lang="pt-BR" sz="1400" spc="-1" strike="noStrike">
-              <a:solidFill>
-                <a:srgbClr val="000000"/>
-              </a:solidFill>
+            <a:ext cx="2743200" cy="1629000"/>
+          </a:xfrm>
+          <a:prstGeom prst="rect">
+            <a:avLst/>
+          </a:prstGeom>
+        </p:spPr>
+        <p:txBody>
+          <a:bodyPr lIns="0" rIns="0" tIns="0" bIns="0">
+            <a:normAutofit/>
+          </a:bodyPr>
+          <a:p>
+            <a:endParaRPr b="0" lang="pt-BR" sz="3200" spc="-1" strike="noStrike">
+              <a:latin typeface="Arial"/>
+            </a:endParaRPr>
+          </a:p>
+        </p:txBody>
+      </p:sp>
+      <p:sp>
+        <p:nvSpPr>
+          <p:cNvPr id="73" name="PlaceHolder 5"/>
+          <p:cNvSpPr>
+            <a:spLocks noGrp="1"/>
+          </p:cNvSpPr>
+          <p:nvPr>
+            <p:ph type="body"/>
+          </p:nvPr>
+        </p:nvSpPr>
+        <p:spPr>
+          <a:xfrm>
+            <a:off x="311760" y="2936520"/>
+            <a:ext cx="2743200" cy="1629000"/>
+          </a:xfrm>
+          <a:prstGeom prst="rect">
+            <a:avLst/>
+          </a:prstGeom>
+        </p:spPr>
+        <p:txBody>
+          <a:bodyPr lIns="0" rIns="0" tIns="0" bIns="0">
+            <a:normAutofit/>
+          </a:bodyPr>
+          <a:p>
+            <a:endParaRPr b="0" lang="pt-BR" sz="3200" spc="-1" strike="noStrike">
+              <a:latin typeface="Arial"/>
+            </a:endParaRPr>
+          </a:p>
+        </p:txBody>
+      </p:sp>
+      <p:sp>
+        <p:nvSpPr>
+          <p:cNvPr id="74" name="PlaceHolder 6"/>
+          <p:cNvSpPr>
+            <a:spLocks noGrp="1"/>
+          </p:cNvSpPr>
+          <p:nvPr>
+            <p:ph type="body"/>
+          </p:nvPr>
+        </p:nvSpPr>
+        <p:spPr>
+          <a:xfrm>
+            <a:off x="3192480" y="2936520"/>
+            <a:ext cx="2743200" cy="1629000"/>
+          </a:xfrm>
+          <a:prstGeom prst="rect">
+            <a:avLst/>
+          </a:prstGeom>
+        </p:spPr>
+        <p:txBody>
+          <a:bodyPr lIns="0" rIns="0" tIns="0" bIns="0">
+            <a:normAutofit/>
+          </a:bodyPr>
+          <a:p>
+            <a:endParaRPr b="0" lang="pt-BR" sz="3200" spc="-1" strike="noStrike">
+              <a:latin typeface="Arial"/>
+            </a:endParaRPr>
+          </a:p>
+        </p:txBody>
+      </p:sp>
+      <p:sp>
+        <p:nvSpPr>
+          <p:cNvPr id="75" name="PlaceHolder 7"/>
+          <p:cNvSpPr>
+            <a:spLocks noGrp="1"/>
+          </p:cNvSpPr>
+          <p:nvPr>
+            <p:ph type="body"/>
+          </p:nvPr>
+        </p:nvSpPr>
+        <p:spPr>
+          <a:xfrm>
+            <a:off x="6073200" y="2936520"/>
+            <a:ext cx="2743200" cy="1629000"/>
+          </a:xfrm>
+          <a:prstGeom prst="rect">
+            <a:avLst/>
+          </a:prstGeom>
+        </p:spPr>
+        <p:txBody>
+          <a:bodyPr lIns="0" rIns="0" tIns="0" bIns="0">
+            <a:normAutofit/>
+          </a:bodyPr>
+          <a:p>
+            <a:endParaRPr b="0" lang="pt-BR" sz="3200" spc="-1" strike="noStrike">
               <a:latin typeface="Arial"/>
             </a:endParaRPr>
           </a:p>
@@ -2151,7 +2015,7 @@
       </p:grpSpPr>
       <p:sp>
         <p:nvSpPr>
-          <p:cNvPr id="5" name="PlaceHolder 1"/>
+          <p:cNvPr id="4" name="PlaceHolder 1"/>
           <p:cNvSpPr>
             <a:spLocks noGrp="1"/>
           </p:cNvSpPr>
@@ -2161,8 +2025,8 @@
         </p:nvSpPr>
         <p:spPr>
           <a:xfrm>
-            <a:off x="311760" y="444960"/>
-            <a:ext cx="8520120" cy="572400"/>
+            <a:off x="311760" y="301680"/>
+            <a:ext cx="8519760" cy="858960"/>
           </a:xfrm>
           <a:prstGeom prst="rect">
             <a:avLst/>
@@ -2173,18 +2037,16 @@
             <a:spAutoFit/>
           </a:bodyPr>
           <a:p>
-            <a:endParaRPr b="0" lang="pt-BR" sz="1400" spc="-1" strike="noStrike">
-              <a:solidFill>
-                <a:srgbClr val="000000"/>
-              </a:solidFill>
-              <a:latin typeface="Arial"/>
-            </a:endParaRPr>
-          </a:p>
-        </p:txBody>
-      </p:sp>
-      <p:sp>
-        <p:nvSpPr>
-          <p:cNvPr id="6" name="PlaceHolder 2"/>
+            <a:pPr algn="ctr"/>
+            <a:endParaRPr b="0" lang="pt-BR" sz="4400" spc="-1" strike="noStrike">
+              <a:latin typeface="Arial"/>
+            </a:endParaRPr>
+          </a:p>
+        </p:txBody>
+      </p:sp>
+      <p:sp>
+        <p:nvSpPr>
+          <p:cNvPr id="5" name="PlaceHolder 2"/>
           <p:cNvSpPr>
             <a:spLocks noGrp="1"/>
           </p:cNvSpPr>
@@ -2195,21 +2057,18 @@
         <p:spPr>
           <a:xfrm>
             <a:off x="311760" y="1152360"/>
-            <a:ext cx="8520120" cy="3416040"/>
-          </a:xfrm>
-          <a:prstGeom prst="rect">
-            <a:avLst/>
-          </a:prstGeom>
-        </p:spPr>
-        <p:txBody>
-          <a:bodyPr lIns="0" rIns="0" tIns="0" bIns="0">
-            <a:normAutofit/>
-          </a:bodyPr>
-          <a:p>
-            <a:endParaRPr b="0" lang="pt-BR" sz="1400" spc="-1" strike="noStrike">
-              <a:solidFill>
-                <a:srgbClr val="000000"/>
-              </a:solidFill>
+            <a:ext cx="8519760" cy="3415680"/>
+          </a:xfrm>
+          <a:prstGeom prst="rect">
+            <a:avLst/>
+          </a:prstGeom>
+        </p:spPr>
+        <p:txBody>
+          <a:bodyPr lIns="0" rIns="0" tIns="0" bIns="0">
+            <a:normAutofit/>
+          </a:bodyPr>
+          <a:p>
+            <a:endParaRPr b="0" lang="pt-BR" sz="3200" spc="-1" strike="noStrike">
               <a:latin typeface="Arial"/>
             </a:endParaRPr>
           </a:p>
@@ -2239,7 +2098,7 @@
       </p:grpSpPr>
       <p:sp>
         <p:nvSpPr>
-          <p:cNvPr id="7" name="PlaceHolder 1"/>
+          <p:cNvPr id="6" name="PlaceHolder 1"/>
           <p:cNvSpPr>
             <a:spLocks noGrp="1"/>
           </p:cNvSpPr>
@@ -2249,8 +2108,8 @@
         </p:nvSpPr>
         <p:spPr>
           <a:xfrm>
-            <a:off x="311760" y="444960"/>
-            <a:ext cx="8520120" cy="572400"/>
+            <a:off x="311760" y="301680"/>
+            <a:ext cx="8519760" cy="858960"/>
           </a:xfrm>
           <a:prstGeom prst="rect">
             <a:avLst/>
@@ -2261,18 +2120,16 @@
             <a:spAutoFit/>
           </a:bodyPr>
           <a:p>
-            <a:endParaRPr b="0" lang="pt-BR" sz="1400" spc="-1" strike="noStrike">
-              <a:solidFill>
-                <a:srgbClr val="000000"/>
-              </a:solidFill>
-              <a:latin typeface="Arial"/>
-            </a:endParaRPr>
-          </a:p>
-        </p:txBody>
-      </p:sp>
-      <p:sp>
-        <p:nvSpPr>
-          <p:cNvPr id="8" name="PlaceHolder 2"/>
+            <a:pPr algn="ctr"/>
+            <a:endParaRPr b="0" lang="pt-BR" sz="4400" spc="-1" strike="noStrike">
+              <a:latin typeface="Arial"/>
+            </a:endParaRPr>
+          </a:p>
+        </p:txBody>
+      </p:sp>
+      <p:sp>
+        <p:nvSpPr>
+          <p:cNvPr id="7" name="PlaceHolder 2"/>
           <p:cNvSpPr>
             <a:spLocks noGrp="1"/>
           </p:cNvSpPr>
@@ -2283,54 +2140,48 @@
         <p:spPr>
           <a:xfrm>
             <a:off x="311760" y="1152360"/>
-            <a:ext cx="4157640" cy="3416040"/>
-          </a:xfrm>
-          <a:prstGeom prst="rect">
-            <a:avLst/>
-          </a:prstGeom>
-        </p:spPr>
-        <p:txBody>
-          <a:bodyPr lIns="0" rIns="0" tIns="0" bIns="0">
-            <a:normAutofit/>
-          </a:bodyPr>
-          <a:p>
-            <a:endParaRPr b="0" lang="pt-BR" sz="1400" spc="-1" strike="noStrike">
-              <a:solidFill>
-                <a:srgbClr val="000000"/>
-              </a:solidFill>
-              <a:latin typeface="Arial"/>
-            </a:endParaRPr>
-          </a:p>
-        </p:txBody>
-      </p:sp>
-      <p:sp>
-        <p:nvSpPr>
-          <p:cNvPr id="9" name="PlaceHolder 3"/>
-          <p:cNvSpPr>
-            <a:spLocks noGrp="1"/>
-          </p:cNvSpPr>
-          <p:nvPr>
-            <p:ph type="body"/>
-          </p:nvPr>
-        </p:nvSpPr>
-        <p:spPr>
-          <a:xfrm>
-            <a:off x="4677840" y="1152360"/>
-            <a:ext cx="4157640" cy="3416040"/>
-          </a:xfrm>
-          <a:prstGeom prst="rect">
-            <a:avLst/>
-          </a:prstGeom>
-        </p:spPr>
-        <p:txBody>
-          <a:bodyPr lIns="0" rIns="0" tIns="0" bIns="0">
-            <a:normAutofit/>
-          </a:bodyPr>
-          <a:p>
-            <a:endParaRPr b="0" lang="pt-BR" sz="1400" spc="-1" strike="noStrike">
-              <a:solidFill>
-                <a:srgbClr val="000000"/>
-              </a:solidFill>
+            <a:ext cx="4157280" cy="3415680"/>
+          </a:xfrm>
+          <a:prstGeom prst="rect">
+            <a:avLst/>
+          </a:prstGeom>
+        </p:spPr>
+        <p:txBody>
+          <a:bodyPr lIns="0" rIns="0" tIns="0" bIns="0">
+            <a:normAutofit/>
+          </a:bodyPr>
+          <a:p>
+            <a:endParaRPr b="0" lang="pt-BR" sz="3200" spc="-1" strike="noStrike">
+              <a:latin typeface="Arial"/>
+            </a:endParaRPr>
+          </a:p>
+        </p:txBody>
+      </p:sp>
+      <p:sp>
+        <p:nvSpPr>
+          <p:cNvPr id="8" name="PlaceHolder 3"/>
+          <p:cNvSpPr>
+            <a:spLocks noGrp="1"/>
+          </p:cNvSpPr>
+          <p:nvPr>
+            <p:ph type="body"/>
+          </p:nvPr>
+        </p:nvSpPr>
+        <p:spPr>
+          <a:xfrm>
+            <a:off x="4677120" y="1152360"/>
+            <a:ext cx="4157280" cy="3415680"/>
+          </a:xfrm>
+          <a:prstGeom prst="rect">
+            <a:avLst/>
+          </a:prstGeom>
+        </p:spPr>
+        <p:txBody>
+          <a:bodyPr lIns="0" rIns="0" tIns="0" bIns="0">
+            <a:normAutofit/>
+          </a:bodyPr>
+          <a:p>
+            <a:endParaRPr b="0" lang="pt-BR" sz="3200" spc="-1" strike="noStrike">
               <a:latin typeface="Arial"/>
             </a:endParaRPr>
           </a:p>
@@ -2360,7 +2211,7 @@
       </p:grpSpPr>
       <p:sp>
         <p:nvSpPr>
-          <p:cNvPr id="10" name="PlaceHolder 1"/>
+          <p:cNvPr id="9" name="PlaceHolder 1"/>
           <p:cNvSpPr>
             <a:spLocks noGrp="1"/>
           </p:cNvSpPr>
@@ -2370,8 +2221,8 @@
         </p:nvSpPr>
         <p:spPr>
           <a:xfrm>
-            <a:off x="311760" y="444960"/>
-            <a:ext cx="8520120" cy="572400"/>
+            <a:off x="311760" y="301680"/>
+            <a:ext cx="8519760" cy="858960"/>
           </a:xfrm>
           <a:prstGeom prst="rect">
             <a:avLst/>
@@ -2382,10 +2233,8 @@
             <a:spAutoFit/>
           </a:bodyPr>
           <a:p>
-            <a:endParaRPr b="0" lang="pt-BR" sz="1400" spc="-1" strike="noStrike">
-              <a:solidFill>
-                <a:srgbClr val="000000"/>
-              </a:solidFill>
+            <a:pPr algn="ctr"/>
+            <a:endParaRPr b="0" lang="pt-BR" sz="4400" spc="-1" strike="noStrike">
               <a:latin typeface="Arial"/>
             </a:endParaRPr>
           </a:p>
@@ -2415,7 +2264,7 @@
       </p:grpSpPr>
       <p:sp>
         <p:nvSpPr>
-          <p:cNvPr id="11" name="PlaceHolder 1"/>
+          <p:cNvPr id="10" name="PlaceHolder 1"/>
           <p:cNvSpPr>
             <a:spLocks noGrp="1"/>
           </p:cNvSpPr>
@@ -2425,8 +2274,8 @@
         </p:nvSpPr>
         <p:spPr>
           <a:xfrm>
-            <a:off x="311760" y="444960"/>
-            <a:ext cx="8520120" cy="2654640"/>
+            <a:off x="311760" y="301680"/>
+            <a:ext cx="8519760" cy="3983040"/>
           </a:xfrm>
           <a:prstGeom prst="rect">
             <a:avLst/>
@@ -2468,7 +2317,7 @@
       </p:grpSpPr>
       <p:sp>
         <p:nvSpPr>
-          <p:cNvPr id="12" name="PlaceHolder 1"/>
+          <p:cNvPr id="11" name="PlaceHolder 1"/>
           <p:cNvSpPr>
             <a:spLocks noGrp="1"/>
           </p:cNvSpPr>
@@ -2478,8 +2327,8 @@
         </p:nvSpPr>
         <p:spPr>
           <a:xfrm>
-            <a:off x="311760" y="444960"/>
-            <a:ext cx="8520120" cy="572400"/>
+            <a:off x="311760" y="301680"/>
+            <a:ext cx="8519760" cy="858960"/>
           </a:xfrm>
           <a:prstGeom prst="rect">
             <a:avLst/>
@@ -2490,18 +2339,16 @@
             <a:spAutoFit/>
           </a:bodyPr>
           <a:p>
-            <a:endParaRPr b="0" lang="pt-BR" sz="1400" spc="-1" strike="noStrike">
-              <a:solidFill>
-                <a:srgbClr val="000000"/>
-              </a:solidFill>
-              <a:latin typeface="Arial"/>
-            </a:endParaRPr>
-          </a:p>
-        </p:txBody>
-      </p:sp>
-      <p:sp>
-        <p:nvSpPr>
-          <p:cNvPr id="13" name="PlaceHolder 2"/>
+            <a:pPr algn="ctr"/>
+            <a:endParaRPr b="0" lang="pt-BR" sz="4400" spc="-1" strike="noStrike">
+              <a:latin typeface="Arial"/>
+            </a:endParaRPr>
+          </a:p>
+        </p:txBody>
+      </p:sp>
+      <p:sp>
+        <p:nvSpPr>
+          <p:cNvPr id="12" name="PlaceHolder 2"/>
           <p:cNvSpPr>
             <a:spLocks noGrp="1"/>
           </p:cNvSpPr>
@@ -2512,87 +2359,78 @@
         <p:spPr>
           <a:xfrm>
             <a:off x="311760" y="1152360"/>
-            <a:ext cx="4157640" cy="1629360"/>
-          </a:xfrm>
-          <a:prstGeom prst="rect">
-            <a:avLst/>
-          </a:prstGeom>
-        </p:spPr>
-        <p:txBody>
-          <a:bodyPr lIns="0" rIns="0" tIns="0" bIns="0">
-            <a:normAutofit/>
-          </a:bodyPr>
-          <a:p>
-            <a:endParaRPr b="0" lang="pt-BR" sz="1400" spc="-1" strike="noStrike">
-              <a:solidFill>
-                <a:srgbClr val="000000"/>
-              </a:solidFill>
-              <a:latin typeface="Arial"/>
-            </a:endParaRPr>
-          </a:p>
-        </p:txBody>
-      </p:sp>
-      <p:sp>
-        <p:nvSpPr>
-          <p:cNvPr id="14" name="PlaceHolder 3"/>
-          <p:cNvSpPr>
-            <a:spLocks noGrp="1"/>
-          </p:cNvSpPr>
-          <p:nvPr>
-            <p:ph type="body"/>
-          </p:nvPr>
-        </p:nvSpPr>
-        <p:spPr>
-          <a:xfrm>
-            <a:off x="4677840" y="1152360"/>
-            <a:ext cx="4157640" cy="3416040"/>
-          </a:xfrm>
-          <a:prstGeom prst="rect">
-            <a:avLst/>
-          </a:prstGeom>
-        </p:spPr>
-        <p:txBody>
-          <a:bodyPr lIns="0" rIns="0" tIns="0" bIns="0">
-            <a:normAutofit/>
-          </a:bodyPr>
-          <a:p>
-            <a:endParaRPr b="0" lang="pt-BR" sz="1400" spc="-1" strike="noStrike">
-              <a:solidFill>
-                <a:srgbClr val="000000"/>
-              </a:solidFill>
-              <a:latin typeface="Arial"/>
-            </a:endParaRPr>
-          </a:p>
-        </p:txBody>
-      </p:sp>
-      <p:sp>
-        <p:nvSpPr>
-          <p:cNvPr id="15" name="PlaceHolder 4"/>
-          <p:cNvSpPr>
-            <a:spLocks noGrp="1"/>
-          </p:cNvSpPr>
-          <p:nvPr>
-            <p:ph type="body"/>
-          </p:nvPr>
-        </p:nvSpPr>
-        <p:spPr>
-          <a:xfrm>
-            <a:off x="311760" y="2936880"/>
-            <a:ext cx="4157640" cy="1629360"/>
-          </a:xfrm>
-          <a:prstGeom prst="rect">
-            <a:avLst/>
-          </a:prstGeom>
-        </p:spPr>
-        <p:txBody>
-          <a:bodyPr lIns="0" rIns="0" tIns="0" bIns="0">
-            <a:normAutofit/>
-          </a:bodyPr>
-          <a:p>
-            <a:endParaRPr b="0" lang="pt-BR" sz="1400" spc="-1" strike="noStrike">
-              <a:solidFill>
-                <a:srgbClr val="000000"/>
-              </a:solidFill>
+            <a:ext cx="4157280" cy="1629000"/>
+          </a:xfrm>
+          <a:prstGeom prst="rect">
+            <a:avLst/>
+          </a:prstGeom>
+        </p:spPr>
+        <p:txBody>
+          <a:bodyPr lIns="0" rIns="0" tIns="0" bIns="0">
+            <a:normAutofit/>
+          </a:bodyPr>
+          <a:p>
+            <a:endParaRPr b="0" lang="pt-BR" sz="3200" spc="-1" strike="noStrike">
+              <a:latin typeface="Arial"/>
+            </a:endParaRPr>
+          </a:p>
+        </p:txBody>
+      </p:sp>
+      <p:sp>
+        <p:nvSpPr>
+          <p:cNvPr id="13" name="PlaceHolder 3"/>
+          <p:cNvSpPr>
+            <a:spLocks noGrp="1"/>
+          </p:cNvSpPr>
+          <p:nvPr>
+            <p:ph type="body"/>
+          </p:nvPr>
+        </p:nvSpPr>
+        <p:spPr>
+          <a:xfrm>
+            <a:off x="4677120" y="1152360"/>
+            <a:ext cx="4157280" cy="3415680"/>
+          </a:xfrm>
+          <a:prstGeom prst="rect">
+            <a:avLst/>
+          </a:prstGeom>
+        </p:spPr>
+        <p:txBody>
+          <a:bodyPr lIns="0" rIns="0" tIns="0" bIns="0">
+            <a:normAutofit/>
+          </a:bodyPr>
+          <a:p>
+            <a:endParaRPr b="0" lang="pt-BR" sz="3200" spc="-1" strike="noStrike">
+              <a:latin typeface="Arial"/>
+            </a:endParaRPr>
+          </a:p>
+        </p:txBody>
+      </p:sp>
+      <p:sp>
+        <p:nvSpPr>
+          <p:cNvPr id="14" name="PlaceHolder 4"/>
+          <p:cNvSpPr>
+            <a:spLocks noGrp="1"/>
+          </p:cNvSpPr>
+          <p:nvPr>
+            <p:ph type="body"/>
+          </p:nvPr>
+        </p:nvSpPr>
+        <p:spPr>
+          <a:xfrm>
+            <a:off x="311760" y="2936520"/>
+            <a:ext cx="4157280" cy="1629000"/>
+          </a:xfrm>
+          <a:prstGeom prst="rect">
+            <a:avLst/>
+          </a:prstGeom>
+        </p:spPr>
+        <p:txBody>
+          <a:bodyPr lIns="0" rIns="0" tIns="0" bIns="0">
+            <a:normAutofit/>
+          </a:bodyPr>
+          <a:p>
+            <a:endParaRPr b="0" lang="pt-BR" sz="3200" spc="-1" strike="noStrike">
               <a:latin typeface="Arial"/>
             </a:endParaRPr>
           </a:p>
@@ -2622,7 +2460,7 @@
       </p:grpSpPr>
       <p:sp>
         <p:nvSpPr>
-          <p:cNvPr id="16" name="PlaceHolder 1"/>
+          <p:cNvPr id="15" name="PlaceHolder 1"/>
           <p:cNvSpPr>
             <a:spLocks noGrp="1"/>
           </p:cNvSpPr>
@@ -2632,8 +2470,8 @@
         </p:nvSpPr>
         <p:spPr>
           <a:xfrm>
-            <a:off x="311760" y="444960"/>
-            <a:ext cx="8520120" cy="572400"/>
+            <a:off x="311760" y="301680"/>
+            <a:ext cx="8519760" cy="858960"/>
           </a:xfrm>
           <a:prstGeom prst="rect">
             <a:avLst/>
@@ -2644,18 +2482,16 @@
             <a:spAutoFit/>
           </a:bodyPr>
           <a:p>
-            <a:endParaRPr b="0" lang="pt-BR" sz="1400" spc="-1" strike="noStrike">
-              <a:solidFill>
-                <a:srgbClr val="000000"/>
-              </a:solidFill>
-              <a:latin typeface="Arial"/>
-            </a:endParaRPr>
-          </a:p>
-        </p:txBody>
-      </p:sp>
-      <p:sp>
-        <p:nvSpPr>
-          <p:cNvPr id="17" name="PlaceHolder 2"/>
+            <a:pPr algn="ctr"/>
+            <a:endParaRPr b="0" lang="pt-BR" sz="4400" spc="-1" strike="noStrike">
+              <a:latin typeface="Arial"/>
+            </a:endParaRPr>
+          </a:p>
+        </p:txBody>
+      </p:sp>
+      <p:sp>
+        <p:nvSpPr>
+          <p:cNvPr id="16" name="PlaceHolder 2"/>
           <p:cNvSpPr>
             <a:spLocks noGrp="1"/>
           </p:cNvSpPr>
@@ -2666,87 +2502,78 @@
         <p:spPr>
           <a:xfrm>
             <a:off x="311760" y="1152360"/>
-            <a:ext cx="4157640" cy="3416040"/>
-          </a:xfrm>
-          <a:prstGeom prst="rect">
-            <a:avLst/>
-          </a:prstGeom>
-        </p:spPr>
-        <p:txBody>
-          <a:bodyPr lIns="0" rIns="0" tIns="0" bIns="0">
-            <a:normAutofit/>
-          </a:bodyPr>
-          <a:p>
-            <a:endParaRPr b="0" lang="pt-BR" sz="1400" spc="-1" strike="noStrike">
-              <a:solidFill>
-                <a:srgbClr val="000000"/>
-              </a:solidFill>
-              <a:latin typeface="Arial"/>
-            </a:endParaRPr>
-          </a:p>
-        </p:txBody>
-      </p:sp>
-      <p:sp>
-        <p:nvSpPr>
-          <p:cNvPr id="18" name="PlaceHolder 3"/>
-          <p:cNvSpPr>
-            <a:spLocks noGrp="1"/>
-          </p:cNvSpPr>
-          <p:nvPr>
-            <p:ph type="body"/>
-          </p:nvPr>
-        </p:nvSpPr>
-        <p:spPr>
-          <a:xfrm>
-            <a:off x="4677840" y="1152360"/>
-            <a:ext cx="4157640" cy="1629360"/>
-          </a:xfrm>
-          <a:prstGeom prst="rect">
-            <a:avLst/>
-          </a:prstGeom>
-        </p:spPr>
-        <p:txBody>
-          <a:bodyPr lIns="0" rIns="0" tIns="0" bIns="0">
-            <a:normAutofit/>
-          </a:bodyPr>
-          <a:p>
-            <a:endParaRPr b="0" lang="pt-BR" sz="1400" spc="-1" strike="noStrike">
-              <a:solidFill>
-                <a:srgbClr val="000000"/>
-              </a:solidFill>
-              <a:latin typeface="Arial"/>
-            </a:endParaRPr>
-          </a:p>
-        </p:txBody>
-      </p:sp>
-      <p:sp>
-        <p:nvSpPr>
-          <p:cNvPr id="19" name="PlaceHolder 4"/>
-          <p:cNvSpPr>
-            <a:spLocks noGrp="1"/>
-          </p:cNvSpPr>
-          <p:nvPr>
-            <p:ph type="body"/>
-          </p:nvPr>
-        </p:nvSpPr>
-        <p:spPr>
-          <a:xfrm>
-            <a:off x="4677840" y="2936880"/>
-            <a:ext cx="4157640" cy="1629360"/>
-          </a:xfrm>
-          <a:prstGeom prst="rect">
-            <a:avLst/>
-          </a:prstGeom>
-        </p:spPr>
-        <p:txBody>
-          <a:bodyPr lIns="0" rIns="0" tIns="0" bIns="0">
-            <a:normAutofit/>
-          </a:bodyPr>
-          <a:p>
-            <a:endParaRPr b="0" lang="pt-BR" sz="1400" spc="-1" strike="noStrike">
-              <a:solidFill>
-                <a:srgbClr val="000000"/>
-              </a:solidFill>
+            <a:ext cx="4157280" cy="3415680"/>
+          </a:xfrm>
+          <a:prstGeom prst="rect">
+            <a:avLst/>
+          </a:prstGeom>
+        </p:spPr>
+        <p:txBody>
+          <a:bodyPr lIns="0" rIns="0" tIns="0" bIns="0">
+            <a:normAutofit/>
+          </a:bodyPr>
+          <a:p>
+            <a:endParaRPr b="0" lang="pt-BR" sz="3200" spc="-1" strike="noStrike">
+              <a:latin typeface="Arial"/>
+            </a:endParaRPr>
+          </a:p>
+        </p:txBody>
+      </p:sp>
+      <p:sp>
+        <p:nvSpPr>
+          <p:cNvPr id="17" name="PlaceHolder 3"/>
+          <p:cNvSpPr>
+            <a:spLocks noGrp="1"/>
+          </p:cNvSpPr>
+          <p:nvPr>
+            <p:ph type="body"/>
+          </p:nvPr>
+        </p:nvSpPr>
+        <p:spPr>
+          <a:xfrm>
+            <a:off x="4677120" y="1152360"/>
+            <a:ext cx="4157280" cy="1629000"/>
+          </a:xfrm>
+          <a:prstGeom prst="rect">
+            <a:avLst/>
+          </a:prstGeom>
+        </p:spPr>
+        <p:txBody>
+          <a:bodyPr lIns="0" rIns="0" tIns="0" bIns="0">
+            <a:normAutofit/>
+          </a:bodyPr>
+          <a:p>
+            <a:endParaRPr b="0" lang="pt-BR" sz="3200" spc="-1" strike="noStrike">
+              <a:latin typeface="Arial"/>
+            </a:endParaRPr>
+          </a:p>
+        </p:txBody>
+      </p:sp>
+      <p:sp>
+        <p:nvSpPr>
+          <p:cNvPr id="18" name="PlaceHolder 4"/>
+          <p:cNvSpPr>
+            <a:spLocks noGrp="1"/>
+          </p:cNvSpPr>
+          <p:nvPr>
+            <p:ph type="body"/>
+          </p:nvPr>
+        </p:nvSpPr>
+        <p:spPr>
+          <a:xfrm>
+            <a:off x="4677120" y="2936520"/>
+            <a:ext cx="4157280" cy="1629000"/>
+          </a:xfrm>
+          <a:prstGeom prst="rect">
+            <a:avLst/>
+          </a:prstGeom>
+        </p:spPr>
+        <p:txBody>
+          <a:bodyPr lIns="0" rIns="0" tIns="0" bIns="0">
+            <a:normAutofit/>
+          </a:bodyPr>
+          <a:p>
+            <a:endParaRPr b="0" lang="pt-BR" sz="3200" spc="-1" strike="noStrike">
               <a:latin typeface="Arial"/>
             </a:endParaRPr>
           </a:p>
@@ -2776,7 +2603,7 @@
       </p:grpSpPr>
       <p:sp>
         <p:nvSpPr>
-          <p:cNvPr id="20" name="PlaceHolder 1"/>
+          <p:cNvPr id="19" name="PlaceHolder 1"/>
           <p:cNvSpPr>
             <a:spLocks noGrp="1"/>
           </p:cNvSpPr>
@@ -2786,8 +2613,8 @@
         </p:nvSpPr>
         <p:spPr>
           <a:xfrm>
-            <a:off x="311760" y="444960"/>
-            <a:ext cx="8520120" cy="572400"/>
+            <a:off x="311760" y="301680"/>
+            <a:ext cx="8519760" cy="858960"/>
           </a:xfrm>
           <a:prstGeom prst="rect">
             <a:avLst/>
@@ -2798,18 +2625,16 @@
             <a:spAutoFit/>
           </a:bodyPr>
           <a:p>
-            <a:endParaRPr b="0" lang="pt-BR" sz="1400" spc="-1" strike="noStrike">
-              <a:solidFill>
-                <a:srgbClr val="000000"/>
-              </a:solidFill>
-              <a:latin typeface="Arial"/>
-            </a:endParaRPr>
-          </a:p>
-        </p:txBody>
-      </p:sp>
-      <p:sp>
-        <p:nvSpPr>
-          <p:cNvPr id="21" name="PlaceHolder 2"/>
+            <a:pPr algn="ctr"/>
+            <a:endParaRPr b="0" lang="pt-BR" sz="4400" spc="-1" strike="noStrike">
+              <a:latin typeface="Arial"/>
+            </a:endParaRPr>
+          </a:p>
+        </p:txBody>
+      </p:sp>
+      <p:sp>
+        <p:nvSpPr>
+          <p:cNvPr id="20" name="PlaceHolder 2"/>
           <p:cNvSpPr>
             <a:spLocks noGrp="1"/>
           </p:cNvSpPr>
@@ -2820,87 +2645,78 @@
         <p:spPr>
           <a:xfrm>
             <a:off x="311760" y="1152360"/>
-            <a:ext cx="4157640" cy="1629360"/>
-          </a:xfrm>
-          <a:prstGeom prst="rect">
-            <a:avLst/>
-          </a:prstGeom>
-        </p:spPr>
-        <p:txBody>
-          <a:bodyPr lIns="0" rIns="0" tIns="0" bIns="0">
-            <a:normAutofit/>
-          </a:bodyPr>
-          <a:p>
-            <a:endParaRPr b="0" lang="pt-BR" sz="1400" spc="-1" strike="noStrike">
-              <a:solidFill>
-                <a:srgbClr val="000000"/>
-              </a:solidFill>
-              <a:latin typeface="Arial"/>
-            </a:endParaRPr>
-          </a:p>
-        </p:txBody>
-      </p:sp>
-      <p:sp>
-        <p:nvSpPr>
-          <p:cNvPr id="22" name="PlaceHolder 3"/>
-          <p:cNvSpPr>
-            <a:spLocks noGrp="1"/>
-          </p:cNvSpPr>
-          <p:nvPr>
-            <p:ph type="body"/>
-          </p:nvPr>
-        </p:nvSpPr>
-        <p:spPr>
-          <a:xfrm>
-            <a:off x="4677840" y="1152360"/>
-            <a:ext cx="4157640" cy="1629360"/>
-          </a:xfrm>
-          <a:prstGeom prst="rect">
-            <a:avLst/>
-          </a:prstGeom>
-        </p:spPr>
-        <p:txBody>
-          <a:bodyPr lIns="0" rIns="0" tIns="0" bIns="0">
-            <a:normAutofit/>
-          </a:bodyPr>
-          <a:p>
-            <a:endParaRPr b="0" lang="pt-BR" sz="1400" spc="-1" strike="noStrike">
-              <a:solidFill>
-                <a:srgbClr val="000000"/>
-              </a:solidFill>
-              <a:latin typeface="Arial"/>
-            </a:endParaRPr>
-          </a:p>
-        </p:txBody>
-      </p:sp>
-      <p:sp>
-        <p:nvSpPr>
-          <p:cNvPr id="23" name="PlaceHolder 4"/>
-          <p:cNvSpPr>
-            <a:spLocks noGrp="1"/>
-          </p:cNvSpPr>
-          <p:nvPr>
-            <p:ph type="body"/>
-          </p:nvPr>
-        </p:nvSpPr>
-        <p:spPr>
-          <a:xfrm>
-            <a:off x="311760" y="2936880"/>
-            <a:ext cx="8520120" cy="1629360"/>
-          </a:xfrm>
-          <a:prstGeom prst="rect">
-            <a:avLst/>
-          </a:prstGeom>
-        </p:spPr>
-        <p:txBody>
-          <a:bodyPr lIns="0" rIns="0" tIns="0" bIns="0">
-            <a:normAutofit/>
-          </a:bodyPr>
-          <a:p>
-            <a:endParaRPr b="0" lang="pt-BR" sz="1400" spc="-1" strike="noStrike">
-              <a:solidFill>
-                <a:srgbClr val="000000"/>
-              </a:solidFill>
+            <a:ext cx="4157280" cy="1629000"/>
+          </a:xfrm>
+          <a:prstGeom prst="rect">
+            <a:avLst/>
+          </a:prstGeom>
+        </p:spPr>
+        <p:txBody>
+          <a:bodyPr lIns="0" rIns="0" tIns="0" bIns="0">
+            <a:normAutofit/>
+          </a:bodyPr>
+          <a:p>
+            <a:endParaRPr b="0" lang="pt-BR" sz="3200" spc="-1" strike="noStrike">
+              <a:latin typeface="Arial"/>
+            </a:endParaRPr>
+          </a:p>
+        </p:txBody>
+      </p:sp>
+      <p:sp>
+        <p:nvSpPr>
+          <p:cNvPr id="21" name="PlaceHolder 3"/>
+          <p:cNvSpPr>
+            <a:spLocks noGrp="1"/>
+          </p:cNvSpPr>
+          <p:nvPr>
+            <p:ph type="body"/>
+          </p:nvPr>
+        </p:nvSpPr>
+        <p:spPr>
+          <a:xfrm>
+            <a:off x="4677120" y="1152360"/>
+            <a:ext cx="4157280" cy="1629000"/>
+          </a:xfrm>
+          <a:prstGeom prst="rect">
+            <a:avLst/>
+          </a:prstGeom>
+        </p:spPr>
+        <p:txBody>
+          <a:bodyPr lIns="0" rIns="0" tIns="0" bIns="0">
+            <a:normAutofit/>
+          </a:bodyPr>
+          <a:p>
+            <a:endParaRPr b="0" lang="pt-BR" sz="3200" spc="-1" strike="noStrike">
+              <a:latin typeface="Arial"/>
+            </a:endParaRPr>
+          </a:p>
+        </p:txBody>
+      </p:sp>
+      <p:sp>
+        <p:nvSpPr>
+          <p:cNvPr id="22" name="PlaceHolder 4"/>
+          <p:cNvSpPr>
+            <a:spLocks noGrp="1"/>
+          </p:cNvSpPr>
+          <p:nvPr>
+            <p:ph type="body"/>
+          </p:nvPr>
+        </p:nvSpPr>
+        <p:spPr>
+          <a:xfrm>
+            <a:off x="311760" y="2936520"/>
+            <a:ext cx="8519760" cy="1629000"/>
+          </a:xfrm>
+          <a:prstGeom prst="rect">
+            <a:avLst/>
+          </a:prstGeom>
+        </p:spPr>
+        <p:txBody>
+          <a:bodyPr lIns="0" rIns="0" tIns="0" bIns="0">
+            <a:normAutofit/>
+          </a:bodyPr>
+          <a:p>
+            <a:endParaRPr b="0" lang="pt-BR" sz="3200" spc="-1" strike="noStrike">
               <a:latin typeface="Arial"/>
             </a:endParaRPr>
           </a:p>
@@ -2947,40 +2763,25 @@
         </p:nvSpPr>
         <p:spPr>
           <a:xfrm>
-            <a:off x="311760" y="744480"/>
-            <a:ext cx="8520120" cy="2052360"/>
-          </a:xfrm>
-          <a:prstGeom prst="rect">
-            <a:avLst/>
-          </a:prstGeom>
-        </p:spPr>
-        <p:txBody>
-          <a:bodyPr tIns="91440" bIns="91440" anchor="b">
-            <a:normAutofit/>
+            <a:off x="311760" y="301680"/>
+            <a:ext cx="8519760" cy="858960"/>
+          </a:xfrm>
+          <a:prstGeom prst="rect">
+            <a:avLst/>
+          </a:prstGeom>
+        </p:spPr>
+        <p:txBody>
+          <a:bodyPr lIns="0" rIns="0" tIns="0" bIns="0" anchor="ctr">
+            <a:spAutoFit/>
           </a:bodyPr>
           <a:p>
             <a:r>
-              <a:rPr b="0" lang="pt-BR" sz="5200" spc="-1" strike="noStrike">
-                <a:solidFill>
-                  <a:srgbClr val="000000"/>
-                </a:solidFill>
+              <a:rPr b="0" lang="pt-BR" sz="1800" spc="-1" strike="noStrike">
                 <a:latin typeface="Arial"/>
               </a:rPr>
-              <a:t>Clique para editar o formato </a:t>
+              <a:t>Clique para editar o formato do texto do título</a:t>
             </a:r>
-            <a:r>
-              <a:rPr b="0" lang="pt-BR" sz="5200" spc="-1" strike="noStrike">
-                <a:solidFill>
-                  <a:srgbClr val="000000"/>
-                </a:solidFill>
-                <a:latin typeface="Arial"/>
-              </a:rPr>
-              <a:t>do texto do título</a:t>
-            </a:r>
-            <a:endParaRPr b="0" lang="pt-BR" sz="5200" spc="-1" strike="noStrike">
-              <a:solidFill>
-                <a:srgbClr val="000000"/>
-              </a:solidFill>
+            <a:endParaRPr b="0" lang="pt-BR" sz="1800" spc="-1" strike="noStrike">
               <a:latin typeface="Arial"/>
             </a:endParaRPr>
           </a:p>
@@ -2989,51 +2790,6 @@
       <p:sp>
         <p:nvSpPr>
           <p:cNvPr id="1" name="PlaceHolder 2"/>
-          <p:cNvSpPr>
-            <a:spLocks noGrp="1"/>
-          </p:cNvSpPr>
-          <p:nvPr>
-            <p:ph type="sldNum"/>
-          </p:nvPr>
-        </p:nvSpPr>
-        <p:spPr>
-          <a:xfrm>
-            <a:off x="8472600" y="4663080"/>
-            <a:ext cx="548280" cy="393120"/>
-          </a:xfrm>
-          <a:prstGeom prst="rect">
-            <a:avLst/>
-          </a:prstGeom>
-        </p:spPr>
-        <p:txBody>
-          <a:bodyPr tIns="91440" bIns="91440" anchor="ctr">
-            <a:normAutofit/>
-          </a:bodyPr>
-          <a:p>
-            <a:pPr algn="r">
-              <a:lnSpc>
-                <a:spcPct val="100000"/>
-              </a:lnSpc>
-            </a:pPr>
-            <a:fld id="{2B223F0D-369A-41E2-98D2-160C57C0C601}" type="slidenum">
-              <a:rPr b="0" lang="pt-BR" sz="1000" spc="-1" strike="noStrike">
-                <a:solidFill>
-                  <a:srgbClr val="595959"/>
-                </a:solidFill>
-                <a:latin typeface="Arial"/>
-                <a:ea typeface="Arial"/>
-              </a:rPr>
-              <a:t>&lt;número&gt;</a:t>
-            </a:fld>
-            <a:endParaRPr b="0" lang="pt-BR" sz="1000" spc="-1" strike="noStrike">
-              <a:latin typeface="Times New Roman"/>
-            </a:endParaRPr>
-          </a:p>
-        </p:txBody>
-      </p:sp>
-      <p:sp>
-        <p:nvSpPr>
-          <p:cNvPr id="2" name="PlaceHolder 3"/>
           <p:cNvSpPr>
             <a:spLocks noGrp="1"/>
           </p:cNvSpPr>
@@ -3052,7 +2808,7 @@
         </p:spPr>
         <p:txBody>
           <a:bodyPr lIns="0" rIns="0" tIns="0" bIns="0">
-            <a:normAutofit/>
+            <a:normAutofit fontScale="88000"/>
           </a:bodyPr>
           <a:p>
             <a:pPr marL="432000" indent="-324000">
@@ -3067,27 +2823,12 @@
               <a:buChar char=""/>
             </a:pPr>
             <a:r>
-              <a:rPr b="0" lang="pt-BR" sz="1400" spc="-1" strike="noStrike">
-                <a:solidFill>
-                  <a:srgbClr val="000000"/>
-                </a:solidFill>
+              <a:rPr b="0" lang="pt-BR" sz="3200" spc="-1" strike="noStrike">
                 <a:latin typeface="Arial"/>
               </a:rPr>
-              <a:t>Clique para editar o formato do texto da </a:t>
+              <a:t>Clique para editar o formato do texto da estrutura de tópicos</a:t>
             </a:r>
-            <a:r>
-              <a:rPr b="0" lang="pt-BR" sz="1400" spc="-1" strike="noStrike">
-                <a:solidFill>
-                  <a:srgbClr val="000000"/>
-                </a:solidFill>
-                <a:latin typeface="Arial"/>
-              </a:rPr>
-              <a:t>estrutura de tópicos</a:t>
-            </a:r>
-            <a:endParaRPr b="0" lang="pt-BR" sz="1400" spc="-1" strike="noStrike">
-              <a:solidFill>
-                <a:srgbClr val="000000"/>
-              </a:solidFill>
+            <a:endParaRPr b="0" lang="pt-BR" sz="3200" spc="-1" strike="noStrike">
               <a:latin typeface="Arial"/>
             </a:endParaRPr>
           </a:p>
@@ -3104,18 +2845,12 @@
               <a:buChar char=""/>
             </a:pPr>
             <a:r>
-              <a:rPr b="0" lang="pt-BR" sz="1400" spc="-1" strike="noStrike">
-                <a:solidFill>
-                  <a:srgbClr val="000000"/>
-                </a:solidFill>
+              <a:rPr b="0" lang="pt-BR" sz="2800" spc="-1" strike="noStrike">
                 <a:latin typeface="Arial"/>
               </a:rPr>
               <a:t>2.º nível da estrutura de tópicos</a:t>
             </a:r>
-            <a:endParaRPr b="0" lang="pt-BR" sz="1400" spc="-1" strike="noStrike">
-              <a:solidFill>
-                <a:srgbClr val="000000"/>
-              </a:solidFill>
+            <a:endParaRPr b="0" lang="pt-BR" sz="2800" spc="-1" strike="noStrike">
               <a:latin typeface="Arial"/>
             </a:endParaRPr>
           </a:p>
@@ -3132,27 +2867,12 @@
               <a:buChar char=""/>
             </a:pPr>
             <a:r>
-              <a:rPr b="0" lang="pt-BR" sz="1400" spc="-1" strike="noStrike">
-                <a:solidFill>
-                  <a:srgbClr val="000000"/>
-                </a:solidFill>
+              <a:rPr b="0" lang="pt-BR" sz="2400" spc="-1" strike="noStrike">
                 <a:latin typeface="Arial"/>
               </a:rPr>
-              <a:t>3.º nível da estrutura de </a:t>
+              <a:t>3.º nível da estrutura de tópicos</a:t>
             </a:r>
-            <a:r>
-              <a:rPr b="0" lang="pt-BR" sz="1400" spc="-1" strike="noStrike">
-                <a:solidFill>
-                  <a:srgbClr val="000000"/>
-                </a:solidFill>
-                <a:latin typeface="Arial"/>
-              </a:rPr>
-              <a:t>tópicos</a:t>
-            </a:r>
-            <a:endParaRPr b="0" lang="pt-BR" sz="1400" spc="-1" strike="noStrike">
-              <a:solidFill>
-                <a:srgbClr val="000000"/>
-              </a:solidFill>
+            <a:endParaRPr b="0" lang="pt-BR" sz="2400" spc="-1" strike="noStrike">
               <a:latin typeface="Arial"/>
             </a:endParaRPr>
           </a:p>
@@ -3169,27 +2889,12 @@
               <a:buChar char=""/>
             </a:pPr>
             <a:r>
-              <a:rPr b="0" lang="pt-BR" sz="1400" spc="-1" strike="noStrike">
-                <a:solidFill>
-                  <a:srgbClr val="000000"/>
-                </a:solidFill>
+              <a:rPr b="0" lang="pt-BR" sz="2000" spc="-1" strike="noStrike">
                 <a:latin typeface="Arial"/>
               </a:rPr>
-              <a:t>4.º nível da estrutura de </a:t>
+              <a:t>4.º nível da estrutura de tópicos</a:t>
             </a:r>
-            <a:r>
-              <a:rPr b="0" lang="pt-BR" sz="1400" spc="-1" strike="noStrike">
-                <a:solidFill>
-                  <a:srgbClr val="000000"/>
-                </a:solidFill>
-                <a:latin typeface="Arial"/>
-              </a:rPr>
-              <a:t>tópicos</a:t>
-            </a:r>
-            <a:endParaRPr b="0" lang="pt-BR" sz="1400" spc="-1" strike="noStrike">
-              <a:solidFill>
-                <a:srgbClr val="000000"/>
-              </a:solidFill>
+            <a:endParaRPr b="0" lang="pt-BR" sz="2000" spc="-1" strike="noStrike">
               <a:latin typeface="Arial"/>
             </a:endParaRPr>
           </a:p>
@@ -3207,35 +2912,11 @@
             </a:pPr>
             <a:r>
               <a:rPr b="0" lang="pt-BR" sz="2000" spc="-1" strike="noStrike">
-                <a:solidFill>
-                  <a:srgbClr val="000000"/>
-                </a:solidFill>
                 <a:latin typeface="Arial"/>
               </a:rPr>
-              <a:t>5.º nível da </a:t>
-            </a:r>
-            <a:r>
-              <a:rPr b="0" lang="pt-BR" sz="2000" spc="-1" strike="noStrike">
-                <a:solidFill>
-                  <a:srgbClr val="000000"/>
-                </a:solidFill>
-                <a:latin typeface="Arial"/>
-              </a:rPr>
-              <a:t>estrutura de </a:t>
-            </a:r>
-            <a:r>
-              <a:rPr b="0" lang="pt-BR" sz="2000" spc="-1" strike="noStrike">
-                <a:solidFill>
-                  <a:srgbClr val="000000"/>
-                </a:solidFill>
-                <a:latin typeface="Arial"/>
-              </a:rPr>
-              <a:t>tópicos</a:t>
+              <a:t>5.º nível da estrutura de tópicos</a:t>
             </a:r>
             <a:endParaRPr b="0" lang="pt-BR" sz="2000" spc="-1" strike="noStrike">
-              <a:solidFill>
-                <a:srgbClr val="000000"/>
-              </a:solidFill>
               <a:latin typeface="Arial"/>
             </a:endParaRPr>
           </a:p>
@@ -3253,44 +2934,11 @@
             </a:pPr>
             <a:r>
               <a:rPr b="0" lang="pt-BR" sz="2000" spc="-1" strike="noStrike">
-                <a:solidFill>
-                  <a:srgbClr val="000000"/>
-                </a:solidFill>
                 <a:latin typeface="Arial"/>
               </a:rPr>
-              <a:t>6.º nível </a:t>
-            </a:r>
-            <a:r>
-              <a:rPr b="0" lang="pt-BR" sz="2000" spc="-1" strike="noStrike">
-                <a:solidFill>
-                  <a:srgbClr val="000000"/>
-                </a:solidFill>
-                <a:latin typeface="Arial"/>
-              </a:rPr>
-              <a:t>da </a:t>
-            </a:r>
-            <a:r>
-              <a:rPr b="0" lang="pt-BR" sz="2000" spc="-1" strike="noStrike">
-                <a:solidFill>
-                  <a:srgbClr val="000000"/>
-                </a:solidFill>
-                <a:latin typeface="Arial"/>
-              </a:rPr>
-              <a:t>estrutura </a:t>
-            </a:r>
-            <a:r>
-              <a:rPr b="0" lang="pt-BR" sz="2000" spc="-1" strike="noStrike">
-                <a:solidFill>
-                  <a:srgbClr val="000000"/>
-                </a:solidFill>
-                <a:latin typeface="Arial"/>
-              </a:rPr>
-              <a:t>de tópicos</a:t>
+              <a:t>6.º nível da estrutura de tópicos</a:t>
             </a:r>
             <a:endParaRPr b="0" lang="pt-BR" sz="2000" spc="-1" strike="noStrike">
-              <a:solidFill>
-                <a:srgbClr val="000000"/>
-              </a:solidFill>
               <a:latin typeface="Arial"/>
             </a:endParaRPr>
           </a:p>
@@ -3308,71 +2956,11 @@
             </a:pPr>
             <a:r>
               <a:rPr b="0" lang="pt-BR" sz="2000" spc="-1" strike="noStrike">
-                <a:solidFill>
-                  <a:srgbClr val="000000"/>
-                </a:solidFill>
                 <a:latin typeface="Arial"/>
               </a:rPr>
-              <a:t>7.º </a:t>
-            </a:r>
-            <a:r>
-              <a:rPr b="0" lang="pt-BR" sz="2000" spc="-1" strike="noStrike">
-                <a:solidFill>
-                  <a:srgbClr val="000000"/>
-                </a:solidFill>
-                <a:latin typeface="Arial"/>
-              </a:rPr>
-              <a:t>nível </a:t>
-            </a:r>
-            <a:r>
-              <a:rPr b="0" lang="pt-BR" sz="2000" spc="-1" strike="noStrike">
-                <a:solidFill>
-                  <a:srgbClr val="000000"/>
-                </a:solidFill>
-                <a:latin typeface="Arial"/>
-              </a:rPr>
-              <a:t>da </a:t>
-            </a:r>
-            <a:r>
-              <a:rPr b="0" lang="pt-BR" sz="2000" spc="-1" strike="noStrike">
-                <a:solidFill>
-                  <a:srgbClr val="000000"/>
-                </a:solidFill>
-                <a:latin typeface="Arial"/>
-              </a:rPr>
-              <a:t>estrutu</a:t>
-            </a:r>
-            <a:r>
-              <a:rPr b="0" lang="pt-BR" sz="2000" spc="-1" strike="noStrike">
-                <a:solidFill>
-                  <a:srgbClr val="000000"/>
-                </a:solidFill>
-                <a:latin typeface="Arial"/>
-              </a:rPr>
-              <a:t>ra de </a:t>
-            </a:r>
-            <a:r>
-              <a:rPr b="0" lang="pt-BR" sz="2000" spc="-1" strike="noStrike">
-                <a:solidFill>
-                  <a:srgbClr val="000000"/>
-                </a:solidFill>
-                <a:latin typeface="Arial"/>
-              </a:rPr>
-              <a:t>tópico</a:t>
-            </a:r>
-            <a:r>
-              <a:rPr b="0" lang="pt-BR" sz="2000" spc="-1" strike="noStrike">
-                <a:solidFill>
-                  <a:srgbClr val="000000"/>
-                </a:solidFill>
-                <a:latin typeface="Arial"/>
-              </a:rPr>
-              <a:t>s</a:t>
+              <a:t>7.º nível da estrutura de tópicos</a:t>
             </a:r>
             <a:endParaRPr b="0" lang="pt-BR" sz="2000" spc="-1" strike="noStrike">
-              <a:solidFill>
-                <a:srgbClr val="000000"/>
-              </a:solidFill>
               <a:latin typeface="Arial"/>
             </a:endParaRPr>
           </a:p>
@@ -3424,7 +3012,7 @@
       </p:grpSpPr>
       <p:sp>
         <p:nvSpPr>
-          <p:cNvPr id="39" name="PlaceHolder 1"/>
+          <p:cNvPr id="38" name="PlaceHolder 1"/>
           <p:cNvSpPr>
             <a:spLocks noGrp="1"/>
           </p:cNvSpPr>
@@ -3434,39 +3022,33 @@
         </p:nvSpPr>
         <p:spPr>
           <a:xfrm>
-            <a:off x="311760" y="444960"/>
-            <a:ext cx="8520120" cy="572400"/>
-          </a:xfrm>
-          <a:prstGeom prst="rect">
-            <a:avLst/>
-          </a:prstGeom>
-        </p:spPr>
-        <p:txBody>
-          <a:bodyPr tIns="91440" bIns="91440">
-            <a:normAutofit fontScale="97000"/>
+            <a:off x="311760" y="301680"/>
+            <a:ext cx="8519760" cy="858960"/>
+          </a:xfrm>
+          <a:prstGeom prst="rect">
+            <a:avLst/>
+          </a:prstGeom>
+        </p:spPr>
+        <p:txBody>
+          <a:bodyPr lIns="0" rIns="0" tIns="0" bIns="0" anchor="ctr">
+            <a:spAutoFit/>
           </a:bodyPr>
           <a:p>
             <a:r>
-              <a:rPr b="0" lang="pt-BR" sz="2800" spc="-1" strike="noStrike">
-                <a:solidFill>
-                  <a:srgbClr val="000000"/>
-                </a:solidFill>
+              <a:rPr b="0" lang="pt-BR" sz="1800" spc="-1" strike="noStrike">
                 <a:latin typeface="Arial"/>
               </a:rPr>
               <a:t>Clique para editar o formato do texto do título</a:t>
             </a:r>
-            <a:endParaRPr b="0" lang="pt-BR" sz="2800" spc="-1" strike="noStrike">
-              <a:solidFill>
-                <a:srgbClr val="000000"/>
-              </a:solidFill>
-              <a:latin typeface="Arial"/>
-            </a:endParaRPr>
-          </a:p>
-        </p:txBody>
-      </p:sp>
-      <p:sp>
-        <p:nvSpPr>
-          <p:cNvPr id="40" name="PlaceHolder 2"/>
+            <a:endParaRPr b="0" lang="pt-BR" sz="1800" spc="-1" strike="noStrike">
+              <a:latin typeface="Arial"/>
+            </a:endParaRPr>
+          </a:p>
+        </p:txBody>
+      </p:sp>
+      <p:sp>
+        <p:nvSpPr>
+          <p:cNvPr id="39" name="PlaceHolder 2"/>
           <p:cNvSpPr>
             <a:spLocks noGrp="1"/>
           </p:cNvSpPr>
@@ -3477,14 +3059,14 @@
         <p:spPr>
           <a:xfrm>
             <a:off x="311760" y="1152360"/>
-            <a:ext cx="8520120" cy="3416040"/>
-          </a:xfrm>
-          <a:prstGeom prst="rect">
-            <a:avLst/>
-          </a:prstGeom>
-        </p:spPr>
-        <p:txBody>
-          <a:bodyPr tIns="91440" bIns="91440">
+            <a:ext cx="8519760" cy="3415680"/>
+          </a:xfrm>
+          <a:prstGeom prst="rect">
+            <a:avLst/>
+          </a:prstGeom>
+        </p:spPr>
+        <p:txBody>
+          <a:bodyPr lIns="0" rIns="0" tIns="0" bIns="0">
             <a:normAutofit/>
           </a:bodyPr>
           <a:p>
@@ -3501,17 +3083,11 @@
             </a:pPr>
             <a:r>
               <a:rPr b="0" lang="pt-BR" sz="1800" spc="-1" strike="noStrike">
-                <a:solidFill>
-                  <a:srgbClr val="000000"/>
-                </a:solidFill>
                 <a:latin typeface="Arial"/>
               </a:rPr>
               <a:t>Clique para editar o formato do texto da estrutura de tópicos</a:t>
             </a:r>
             <a:endParaRPr b="0" lang="pt-BR" sz="1800" spc="-1" strike="noStrike">
-              <a:solidFill>
-                <a:srgbClr val="000000"/>
-              </a:solidFill>
               <a:latin typeface="Arial"/>
             </a:endParaRPr>
           </a:p>
@@ -3529,17 +3105,11 @@
             </a:pPr>
             <a:r>
               <a:rPr b="0" lang="pt-BR" sz="1800" spc="-1" strike="noStrike">
-                <a:solidFill>
-                  <a:srgbClr val="000000"/>
-                </a:solidFill>
                 <a:latin typeface="Arial"/>
               </a:rPr>
               <a:t>2.º nível da estrutura de tópicos</a:t>
             </a:r>
             <a:endParaRPr b="0" lang="pt-BR" sz="1800" spc="-1" strike="noStrike">
-              <a:solidFill>
-                <a:srgbClr val="000000"/>
-              </a:solidFill>
               <a:latin typeface="Arial"/>
             </a:endParaRPr>
           </a:p>
@@ -3557,17 +3127,11 @@
             </a:pPr>
             <a:r>
               <a:rPr b="0" lang="pt-BR" sz="1800" spc="-1" strike="noStrike">
-                <a:solidFill>
-                  <a:srgbClr val="000000"/>
-                </a:solidFill>
                 <a:latin typeface="Arial"/>
               </a:rPr>
               <a:t>3.º nível da estrutura de tópicos</a:t>
             </a:r>
             <a:endParaRPr b="0" lang="pt-BR" sz="1800" spc="-1" strike="noStrike">
-              <a:solidFill>
-                <a:srgbClr val="000000"/>
-              </a:solidFill>
               <a:latin typeface="Arial"/>
             </a:endParaRPr>
           </a:p>
@@ -3585,17 +3149,11 @@
             </a:pPr>
             <a:r>
               <a:rPr b="0" lang="pt-BR" sz="1800" spc="-1" strike="noStrike">
-                <a:solidFill>
-                  <a:srgbClr val="000000"/>
-                </a:solidFill>
                 <a:latin typeface="Arial"/>
               </a:rPr>
               <a:t>4.º nível da estrutura de tópicos</a:t>
             </a:r>
             <a:endParaRPr b="0" lang="pt-BR" sz="1800" spc="-1" strike="noStrike">
-              <a:solidFill>
-                <a:srgbClr val="000000"/>
-              </a:solidFill>
               <a:latin typeface="Arial"/>
             </a:endParaRPr>
           </a:p>
@@ -3613,17 +3171,11 @@
             </a:pPr>
             <a:r>
               <a:rPr b="0" lang="pt-BR" sz="1800" spc="-1" strike="noStrike">
-                <a:solidFill>
-                  <a:srgbClr val="000000"/>
-                </a:solidFill>
                 <a:latin typeface="Arial"/>
               </a:rPr>
               <a:t>5.º nível da estrutura de tópicos</a:t>
             </a:r>
             <a:endParaRPr b="0" lang="pt-BR" sz="1800" spc="-1" strike="noStrike">
-              <a:solidFill>
-                <a:srgbClr val="000000"/>
-              </a:solidFill>
               <a:latin typeface="Arial"/>
             </a:endParaRPr>
           </a:p>
@@ -3641,17 +3193,11 @@
             </a:pPr>
             <a:r>
               <a:rPr b="0" lang="pt-BR" sz="1800" spc="-1" strike="noStrike">
-                <a:solidFill>
-                  <a:srgbClr val="000000"/>
-                </a:solidFill>
                 <a:latin typeface="Arial"/>
               </a:rPr>
               <a:t>6.º nível da estrutura de tópicos</a:t>
             </a:r>
             <a:endParaRPr b="0" lang="pt-BR" sz="1800" spc="-1" strike="noStrike">
-              <a:solidFill>
-                <a:srgbClr val="000000"/>
-              </a:solidFill>
               <a:latin typeface="Arial"/>
             </a:endParaRPr>
           </a:p>
@@ -3669,63 +3215,12 @@
             </a:pPr>
             <a:r>
               <a:rPr b="0" lang="pt-BR" sz="1800" spc="-1" strike="noStrike">
-                <a:solidFill>
-                  <a:srgbClr val="000000"/>
-                </a:solidFill>
                 <a:latin typeface="Arial"/>
               </a:rPr>
               <a:t>7.º nível da estrutura de tópicos</a:t>
             </a:r>
             <a:endParaRPr b="0" lang="pt-BR" sz="1800" spc="-1" strike="noStrike">
-              <a:solidFill>
-                <a:srgbClr val="000000"/>
-              </a:solidFill>
-              <a:latin typeface="Arial"/>
-            </a:endParaRPr>
-          </a:p>
-        </p:txBody>
-      </p:sp>
-      <p:sp>
-        <p:nvSpPr>
-          <p:cNvPr id="41" name="PlaceHolder 3"/>
-          <p:cNvSpPr>
-            <a:spLocks noGrp="1"/>
-          </p:cNvSpPr>
-          <p:nvPr>
-            <p:ph type="sldNum"/>
-          </p:nvPr>
-        </p:nvSpPr>
-        <p:spPr>
-          <a:xfrm>
-            <a:off x="8472600" y="4663080"/>
-            <a:ext cx="548280" cy="393120"/>
-          </a:xfrm>
-          <a:prstGeom prst="rect">
-            <a:avLst/>
-          </a:prstGeom>
-        </p:spPr>
-        <p:txBody>
-          <a:bodyPr tIns="91440" bIns="91440" anchor="ctr">
-            <a:normAutofit/>
-          </a:bodyPr>
-          <a:p>
-            <a:pPr algn="r">
-              <a:lnSpc>
-                <a:spcPct val="100000"/>
-              </a:lnSpc>
-            </a:pPr>
-            <a:fld id="{14C13C67-F2DD-4F97-A7FE-8DD2BA8C2D24}" type="slidenum">
-              <a:rPr b="0" lang="pt-BR" sz="1000" spc="-1" strike="noStrike">
-                <a:solidFill>
-                  <a:srgbClr val="595959"/>
-                </a:solidFill>
-                <a:latin typeface="Arial"/>
-                <a:ea typeface="Arial"/>
-              </a:rPr>
-              <a:t>&lt;número&gt;</a:t>
-            </a:fld>
-            <a:endParaRPr b="0" lang="pt-BR" sz="1000" spc="-1" strike="noStrike">
-              <a:latin typeface="Times New Roman"/>
+              <a:latin typeface="Arial"/>
             </a:endParaRPr>
           </a:p>
         </p:txBody>
@@ -3769,14 +3264,14 @@
       </p:grpSpPr>
       <p:sp>
         <p:nvSpPr>
-          <p:cNvPr id="78" name="TextShape 1"/>
-          <p:cNvSpPr txBox="1"/>
+          <p:cNvPr id="76" name="CustomShape 1"/>
+          <p:cNvSpPr/>
           <p:nvPr/>
         </p:nvSpPr>
         <p:spPr>
           <a:xfrm>
             <a:off x="311760" y="744480"/>
-            <a:ext cx="8520120" cy="2052360"/>
+            <a:ext cx="8519760" cy="2052000"/>
           </a:xfrm>
           <a:prstGeom prst="rect">
             <a:avLst/>
@@ -3786,8 +3281,14 @@
             <a:noFill/>
           </a:ln>
         </p:spPr>
-        <p:txBody>
-          <a:bodyPr tIns="91440" bIns="91440" anchor="b">
+        <p:style>
+          <a:lnRef idx="0"/>
+          <a:fillRef idx="0"/>
+          <a:effectRef idx="0"/>
+          <a:fontRef idx="minor"/>
+        </p:style>
+        <p:txBody>
+          <a:bodyPr lIns="90000" rIns="90000" tIns="91440" bIns="91440" anchor="b">
             <a:normAutofit/>
           </a:bodyPr>
           <a:p>
@@ -3807,24 +3308,21 @@
               <a:t>Object-Relational Mapping (ORM)</a:t>
             </a:r>
             <a:endParaRPr b="0" lang="pt-BR" sz="5200" spc="-1" strike="noStrike">
-              <a:solidFill>
-                <a:srgbClr val="000000"/>
-              </a:solidFill>
-              <a:latin typeface="Arial"/>
-            </a:endParaRPr>
-          </a:p>
-        </p:txBody>
-      </p:sp>
-      <p:sp>
-        <p:nvSpPr>
-          <p:cNvPr id="79" name="TextShape 2"/>
-          <p:cNvSpPr txBox="1"/>
+              <a:latin typeface="Arial"/>
+            </a:endParaRPr>
+          </a:p>
+        </p:txBody>
+      </p:sp>
+      <p:sp>
+        <p:nvSpPr>
+          <p:cNvPr id="77" name="CustomShape 2"/>
+          <p:cNvSpPr/>
           <p:nvPr/>
         </p:nvSpPr>
         <p:spPr>
           <a:xfrm>
             <a:off x="311760" y="2834280"/>
-            <a:ext cx="8520120" cy="792360"/>
+            <a:ext cx="8519760" cy="792000"/>
           </a:xfrm>
           <a:prstGeom prst="rect">
             <a:avLst/>
@@ -3834,8 +3332,14 @@
             <a:noFill/>
           </a:ln>
         </p:spPr>
-        <p:txBody>
-          <a:bodyPr tIns="91440" bIns="91440">
+        <p:style>
+          <a:lnRef idx="0"/>
+          <a:fillRef idx="0"/>
+          <a:effectRef idx="0"/>
+          <a:fontRef idx="minor"/>
+        </p:style>
+        <p:txBody>
+          <a:bodyPr lIns="90000" rIns="90000" tIns="91440" bIns="91440">
             <a:normAutofit/>
           </a:bodyPr>
           <a:p>
@@ -3919,14 +3423,14 @@
       </p:grpSpPr>
       <p:sp>
         <p:nvSpPr>
-          <p:cNvPr id="80" name="TextShape 1"/>
-          <p:cNvSpPr txBox="1"/>
+          <p:cNvPr id="78" name="CustomShape 1"/>
+          <p:cNvSpPr/>
           <p:nvPr/>
         </p:nvSpPr>
         <p:spPr>
           <a:xfrm>
             <a:off x="311760" y="444960"/>
-            <a:ext cx="8520120" cy="572400"/>
+            <a:ext cx="8519760" cy="572040"/>
           </a:xfrm>
           <a:prstGeom prst="rect">
             <a:avLst/>
@@ -3936,8 +3440,14 @@
             <a:noFill/>
           </a:ln>
         </p:spPr>
-        <p:txBody>
-          <a:bodyPr tIns="91440" bIns="91440">
+        <p:style>
+          <a:lnRef idx="0"/>
+          <a:fillRef idx="0"/>
+          <a:effectRef idx="0"/>
+          <a:fontRef idx="minor"/>
+        </p:style>
+        <p:txBody>
+          <a:bodyPr lIns="90000" rIns="90000" tIns="91440" bIns="91440">
             <a:normAutofit/>
           </a:bodyPr>
           <a:p>
@@ -3957,9 +3467,6 @@
               <a:t>ORM provides an infrastructure to manipulate data as objects</a:t>
             </a:r>
             <a:endParaRPr b="0" lang="pt-BR" sz="2400" spc="-1" strike="noStrike">
-              <a:solidFill>
-                <a:srgbClr val="000000"/>
-              </a:solidFill>
               <a:latin typeface="Arial"/>
             </a:endParaRPr>
           </a:p>
@@ -3967,7 +3474,7 @@
       </p:sp>
       <p:pic>
         <p:nvPicPr>
-          <p:cNvPr id="81" name="" descr=""/>
+          <p:cNvPr id="79" name="" descr=""/>
           <p:cNvPicPr/>
           <p:nvPr/>
         </p:nvPicPr>
@@ -3978,7 +3485,7 @@
         <p:spPr>
           <a:xfrm>
             <a:off x="312840" y="1584000"/>
-            <a:ext cx="8327160" cy="2736000"/>
+            <a:ext cx="8326800" cy="2735640"/>
           </a:xfrm>
           <a:prstGeom prst="rect">
             <a:avLst/>
@@ -4047,14 +3554,14 @@
       </p:grpSpPr>
       <p:sp>
         <p:nvSpPr>
-          <p:cNvPr id="82" name="TextShape 1"/>
-          <p:cNvSpPr txBox="1"/>
+          <p:cNvPr id="80" name="CustomShape 1"/>
+          <p:cNvSpPr/>
           <p:nvPr/>
         </p:nvSpPr>
         <p:spPr>
           <a:xfrm>
-            <a:off x="311760" y="444960"/>
-            <a:ext cx="8520120" cy="572400"/>
+            <a:off x="311760" y="532440"/>
+            <a:ext cx="8519760" cy="396720"/>
           </a:xfrm>
           <a:prstGeom prst="rect">
             <a:avLst/>
@@ -4064,11 +3571,22 @@
             <a:noFill/>
           </a:ln>
         </p:spPr>
+        <p:style>
+          <a:lnRef idx="0"/>
+          <a:fillRef idx="0"/>
+          <a:effectRef idx="0"/>
+          <a:fontRef idx="minor"/>
+        </p:style>
         <p:txBody>
           <a:bodyPr lIns="0" rIns="0" tIns="0" bIns="0" anchor="ctr">
             <a:spAutoFit/>
           </a:bodyPr>
           <a:p>
+            <a:pPr>
+              <a:lnSpc>
+                <a:spcPct val="100000"/>
+              </a:lnSpc>
+            </a:pPr>
             <a:r>
               <a:rPr b="0" lang="pt-BR" sz="2600" spc="-1" strike="noStrike">
                 <a:solidFill>
@@ -4079,24 +3597,21 @@
               <a:t>Why using ORM?</a:t>
             </a:r>
             <a:endParaRPr b="0" lang="pt-BR" sz="2600" spc="-1" strike="noStrike">
-              <a:solidFill>
-                <a:srgbClr val="000000"/>
-              </a:solidFill>
-              <a:latin typeface="Arial"/>
-            </a:endParaRPr>
-          </a:p>
-        </p:txBody>
-      </p:sp>
-      <p:sp>
-        <p:nvSpPr>
-          <p:cNvPr id="83" name="TextShape 2"/>
-          <p:cNvSpPr txBox="1"/>
+              <a:latin typeface="Arial"/>
+            </a:endParaRPr>
+          </a:p>
+        </p:txBody>
+      </p:sp>
+      <p:sp>
+        <p:nvSpPr>
+          <p:cNvPr id="81" name="CustomShape 2"/>
+          <p:cNvSpPr/>
           <p:nvPr/>
         </p:nvSpPr>
         <p:spPr>
           <a:xfrm>
             <a:off x="311760" y="1152360"/>
-            <a:ext cx="8520120" cy="3416040"/>
+            <a:ext cx="8519760" cy="3415680"/>
           </a:xfrm>
           <a:prstGeom prst="rect">
             <a:avLst/>
@@ -4106,16 +3621,139 @@
             <a:noFill/>
           </a:ln>
         </p:spPr>
-        <p:txBody>
-          <a:bodyPr lIns="0" rIns="0" tIns="0" bIns="0">
-            <a:normAutofit/>
-          </a:bodyPr>
-          <a:p>
-            <a:endParaRPr b="0" lang="pt-BR" sz="1400" spc="-1" strike="noStrike">
-              <a:solidFill>
-                <a:srgbClr val="000000"/>
-              </a:solidFill>
-              <a:latin typeface="Arial"/>
+        <p:style>
+          <a:lnRef idx="0"/>
+          <a:fillRef idx="0"/>
+          <a:effectRef idx="0"/>
+          <a:fontRef idx="minor"/>
+        </p:style>
+      </p:sp>
+      <p:sp>
+        <p:nvSpPr>
+          <p:cNvPr id="82" name="TextShape 3"/>
+          <p:cNvSpPr txBox="1"/>
+          <p:nvPr/>
+        </p:nvSpPr>
+        <p:spPr>
+          <a:xfrm>
+            <a:off x="282240" y="1197360"/>
+            <a:ext cx="8520120" cy="3416040"/>
+          </a:xfrm>
+          <a:prstGeom prst="rect">
+            <a:avLst/>
+          </a:prstGeom>
+          <a:noFill/>
+          <a:ln>
+            <a:noFill/>
+          </a:ln>
+        </p:spPr>
+        <p:txBody>
+          <a:bodyPr tIns="91440" bIns="91440">
+            <a:normAutofit/>
+          </a:bodyPr>
+          <a:p>
+            <a:pPr>
+              <a:lnSpc>
+                <a:spcPct val="115000"/>
+              </a:lnSpc>
+            </a:pPr>
+            <a:r>
+              <a:rPr b="0" lang="pt-BR" sz="2200" spc="-1" strike="noStrike">
+                <a:latin typeface="Arial"/>
+                <a:ea typeface="Arial"/>
+              </a:rPr>
+              <a:t>To avoid mixing SQL code with application code</a:t>
+            </a:r>
+            <a:endParaRPr b="0" lang="pt-BR" sz="2200" spc="-1" strike="noStrike">
+              <a:latin typeface="Times New Roman"/>
+            </a:endParaRPr>
+          </a:p>
+          <a:p>
+            <a:pPr>
+              <a:lnSpc>
+                <a:spcPct val="115000"/>
+              </a:lnSpc>
+            </a:pPr>
+            <a:endParaRPr b="0" lang="pt-BR" sz="2200" spc="-1" strike="noStrike">
+              <a:latin typeface="Times New Roman"/>
+            </a:endParaRPr>
+          </a:p>
+          <a:p>
+            <a:pPr>
+              <a:lnSpc>
+                <a:spcPct val="115000"/>
+              </a:lnSpc>
+            </a:pPr>
+            <a:r>
+              <a:rPr b="0" lang="pt-BR" sz="2200" spc="-1" strike="noStrike">
+                <a:latin typeface="Arial"/>
+                <a:ea typeface="Arial"/>
+              </a:rPr>
+              <a:t>To avoid repetitive code </a:t>
+            </a:r>
+            <a:endParaRPr b="0" lang="pt-BR" sz="2200" spc="-1" strike="noStrike">
+              <a:latin typeface="Times New Roman"/>
+            </a:endParaRPr>
+          </a:p>
+          <a:p>
+            <a:pPr>
+              <a:lnSpc>
+                <a:spcPct val="115000"/>
+              </a:lnSpc>
+            </a:pPr>
+            <a:r>
+              <a:rPr b="0" lang="pt-BR" sz="2200" spc="-1" strike="noStrike">
+                <a:latin typeface="Arial"/>
+                <a:ea typeface="Arial"/>
+              </a:rPr>
+              <a:t>(e.g., reading records from table and show as a table)</a:t>
+            </a:r>
+            <a:endParaRPr b="0" lang="pt-BR" sz="2200" spc="-1" strike="noStrike">
+              <a:latin typeface="Times New Roman"/>
+            </a:endParaRPr>
+          </a:p>
+          <a:p>
+            <a:pPr>
+              <a:lnSpc>
+                <a:spcPct val="115000"/>
+              </a:lnSpc>
+            </a:pPr>
+            <a:endParaRPr b="0" lang="pt-BR" sz="2200" spc="-1" strike="noStrike">
+              <a:latin typeface="Times New Roman"/>
+            </a:endParaRPr>
+          </a:p>
+          <a:p>
+            <a:pPr>
+              <a:lnSpc>
+                <a:spcPct val="115000"/>
+              </a:lnSpc>
+            </a:pPr>
+            <a:r>
+              <a:rPr b="0" lang="pt-BR" sz="2200" spc="-1" strike="noStrike">
+                <a:latin typeface="Arial"/>
+                <a:ea typeface="Arial"/>
+              </a:rPr>
+              <a:t>To avoid inconsistency in checking data constraints</a:t>
+            </a:r>
+            <a:endParaRPr b="0" lang="pt-BR" sz="2200" spc="-1" strike="noStrike">
+              <a:latin typeface="Times New Roman"/>
+            </a:endParaRPr>
+          </a:p>
+          <a:p>
+            <a:pPr>
+              <a:lnSpc>
+                <a:spcPct val="115000"/>
+              </a:lnSpc>
+            </a:pPr>
+            <a:r>
+              <a:rPr b="0" lang="pt-BR" sz="2200" spc="-1" strike="noStrike">
+                <a:latin typeface="Arial"/>
+                <a:ea typeface="Arial"/>
+              </a:rPr>
+              <a:t>(e.g., instead of adding code to validate the data, check if some db constraint would be violated with that data)</a:t>
+            </a:r>
+            <a:endParaRPr b="0" lang="pt-BR" sz="2200" spc="-1" strike="noStrike">
+              <a:latin typeface="Times New Roman"/>
             </a:endParaRPr>
           </a:p>
         </p:txBody>
@@ -4130,6 +3768,33 @@
       <p:transition spd="slow"/>
     </mc:Fallback>
   </mc:AlternateContent>
+  <p:timing>
+    <p:tnLst>
+      <p:par>
+        <p:cTn id="5" dur="indefinite" restart="never" nodeType="tmRoot">
+          <p:childTnLst>
+            <p:seq>
+              <p:cTn id="6" dur="indefinite" nodeType="mainSeq"/>
+              <p:prevCondLst>
+                <p:cond delay="0" evt="onPrev">
+                  <p:tgtEl>
+                    <p:sldTgt/>
+                  </p:tgtEl>
+                </p:cond>
+              </p:prevCondLst>
+              <p:nextCondLst>
+                <p:cond delay="0" evt="onNext">
+                  <p:tgtEl>
+                    <p:sldTgt/>
+                  </p:tgtEl>
+                </p:cond>
+              </p:nextCondLst>
+            </p:seq>
+          </p:childTnLst>
+        </p:cTn>
+      </p:par>
+    </p:tnLst>
+  </p:timing>
 </p:sld>
 </file>
 
